--- a/media/generated_ppts/DR IAM_RABAT AVANZIT.pptx
+++ b/media/generated_ppts/DR IAM_RABAT AVANZIT.pptx
@@ -3091,6 +3091,49 @@
       <p:grpSpPr/>
       <p:sp>
         <p:nvSpPr>
+          <p:cNvPr id="4" name="Rectangle 3"/>
+          <p:cNvSpPr/>
+          <p:nvPr/>
+        </p:nvSpPr>
+        <p:spPr>
+          <a:xfrm>
+            <a:off x="792000" y="792000"/>
+            <a:ext cx="7632000" cy="5328000"/>
+          </a:xfrm>
+          <a:prstGeom prst="rect">
+            <a:avLst/>
+          </a:prstGeom>
+          <a:noFill/>
+          <a:ln w="38100">
+            <a:solidFill>
+              <a:srgbClr val="000000"/>
+            </a:solidFill>
+          </a:ln>
+        </p:spPr>
+        <p:style>
+          <a:lnRef idx="1">
+            <a:schemeClr val="accent1"/>
+          </a:lnRef>
+          <a:fillRef idx="3">
+            <a:schemeClr val="accent1"/>
+          </a:fillRef>
+          <a:effectRef idx="2">
+            <a:schemeClr val="accent1"/>
+          </a:effectRef>
+          <a:fontRef idx="minor">
+            <a:schemeClr val="lt1"/>
+          </a:fontRef>
+        </p:style>
+        <p:txBody>
+          <a:bodyPr rtlCol="0" anchor="ctr"/>
+          <a:lstStyle/>
+          <a:p>
+            <a:pPr algn="ctr"/>
+          </a:p>
+        </p:txBody>
+      </p:sp>
+      <p:sp>
+        <p:nvSpPr>
           <p:cNvPr id="2" name="Title 1"/>
           <p:cNvSpPr>
             <a:spLocks noGrp="1"/>
@@ -3105,7 +3148,10 @@
           <a:lstStyle/>
           <a:p>
             <a:pPr>
-              <a:defRPr sz="3200">
+              <a:defRPr sz="3200" b="1">
+                <a:solidFill>
+                  <a:srgbClr val="000000"/>
+                </a:solidFill>
                 <a:latin typeface="Arial Narrow"/>
               </a:defRPr>
             </a:pPr>
@@ -3132,6 +3178,9 @@
           <a:p>
             <a:pPr>
               <a:defRPr sz="1800">
+                <a:solidFill>
+                  <a:srgbClr val="404040"/>
+                </a:solidFill>
                 <a:latin typeface="Arial Narrow"/>
               </a:defRPr>
             </a:pPr>
@@ -3161,7 +3210,7 @@
       <p:grpSpPr/>
       <p:pic>
         <p:nvPicPr>
-          <p:cNvPr id="2" name="Picture 1" descr="AA.jpeg"/>
+          <p:cNvPr id="2" name="Picture 1" descr="AAA.jpeg"/>
           <p:cNvPicPr>
             <a:picLocks noChangeAspect="1"/>
           </p:cNvPicPr>
@@ -3176,7 +3225,7 @@
         <p:spPr>
           <a:xfrm>
             <a:off x="360000" y="180000"/>
-            <a:ext cx="9360000" cy="2520000"/>
+            <a:ext cx="8820000" cy="2520000"/>
           </a:xfrm>
           <a:prstGeom prst="rect">
             <a:avLst/>

--- a/media/generated_ppts/DR IAM_RABAT AVANZIT.pptx
+++ b/media/generated_ppts/DR IAM_RABAT AVANZIT.pptx
@@ -3242,7 +3242,7 @@
         </p:nvGraphicFramePr>
         <p:xfrm>
           <a:off x="360000" y="2700000"/>
-          <a:ext cx="8747999" cy="324000"/>
+          <a:ext cx="8351997" cy="324000"/>
         </p:xfrm>
         <a:graphic>
           <a:graphicData uri="http://schemas.openxmlformats.org/drawingml/2006/table">
@@ -3251,13 +3251,15 @@
                 <a:tableStyleId>{5C22544A-7EE6-4342-B048-85BDC9FD1C3A}</a:tableStyleId>
               </a:tblPr>
               <a:tblGrid>
-                <a:gridCol w="648000"/>
+                <a:gridCol w="612000"/>
                 <a:gridCol w="864000"/>
-                <a:gridCol w="1332000"/>
-                <a:gridCol w="936000"/>
+                <a:gridCol w="1116000"/>
+                <a:gridCol w="1116000"/>
+                <a:gridCol w="900000"/>
+                <a:gridCol w="900000"/>
+                <a:gridCol w="827999"/>
                 <a:gridCol w="1007999"/>
-                <a:gridCol w="2232000"/>
-                <a:gridCol w="1728000"/>
+                <a:gridCol w="1007999"/>
               </a:tblGrid>
               <a:tr h="36000">
                 <a:tc>
@@ -3280,7 +3282,7 @@
                   </a:txBody>
                   <a:tcPr>
                     <a:solidFill>
-                      <a:srgbClr val="4472C4"/>
+                      <a:srgbClr val="FF6800"/>
                     </a:solidFill>
                   </a:tcPr>
                 </a:tc>
@@ -3304,7 +3306,7 @@
                   </a:txBody>
                   <a:tcPr>
                     <a:solidFill>
-                      <a:srgbClr val="4472C4"/>
+                      <a:srgbClr val="FF6800"/>
                     </a:solidFill>
                   </a:tcPr>
                 </a:tc>
@@ -3328,7 +3330,7 @@
                   </a:txBody>
                   <a:tcPr>
                     <a:solidFill>
-                      <a:srgbClr val="4472C4"/>
+                      <a:srgbClr val="FF6800"/>
                     </a:solidFill>
                   </a:tcPr>
                 </a:tc>
@@ -3346,13 +3348,13 @@
                         </a:defRPr>
                       </a:pPr>
                       <a:r>
-                        <a:t>DR IAM</a:t>
-                      </a:r>
-                    </a:p>
-                  </a:txBody>
-                  <a:tcPr>
-                    <a:solidFill>
-                      <a:srgbClr val="4472C4"/>
+                        <a:t>Contact IAM</a:t>
+                      </a:r>
+                    </a:p>
+                  </a:txBody>
+                  <a:tcPr>
+                    <a:solidFill>
+                      <a:srgbClr val="FF6800"/>
                     </a:solidFill>
                   </a:tcPr>
                 </a:tc>
@@ -3370,13 +3372,13 @@
                         </a:defRPr>
                       </a:pPr>
                       <a:r>
-                        <a:t>ville</a:t>
-                      </a:r>
-                    </a:p>
-                  </a:txBody>
-                  <a:tcPr>
-                    <a:solidFill>
-                      <a:srgbClr val="4472C4"/>
+                        <a:t>DR IAM</a:t>
+                      </a:r>
+                    </a:p>
+                  </a:txBody>
+                  <a:tcPr>
+                    <a:solidFill>
+                      <a:srgbClr val="FF6800"/>
                     </a:solidFill>
                   </a:tcPr>
                 </a:tc>
@@ -3394,13 +3396,13 @@
                         </a:defRPr>
                       </a:pPr>
                       <a:r>
-                        <a:t>X Départ ERPT - Y Départ ERPT</a:t>
-                      </a:r>
-                    </a:p>
-                  </a:txBody>
-                  <a:tcPr>
-                    <a:solidFill>
-                      <a:srgbClr val="4472C4"/>
+                        <a:t>ville</a:t>
+                      </a:r>
+                    </a:p>
+                  </a:txBody>
+                  <a:tcPr>
+                    <a:solidFill>
+                      <a:srgbClr val="FF6800"/>
                     </a:solidFill>
                   </a:tcPr>
                 </a:tc>
@@ -3418,13 +3420,61 @@
                         </a:defRPr>
                       </a:pPr>
                       <a:r>
-                        <a:t>X Arrivée ERPT Proposition1 - Y Arrivée</a:t>
-                      </a:r>
-                    </a:p>
-                  </a:txBody>
-                  <a:tcPr>
-                    <a:solidFill>
-                      <a:srgbClr val="4472C4"/>
+                        <a:t>Date TSS</a:t>
+                      </a:r>
+                    </a:p>
+                  </a:txBody>
+                  <a:tcPr>
+                    <a:solidFill>
+                      <a:srgbClr val="FF6800"/>
+                    </a:solidFill>
+                  </a:tcPr>
+                </a:tc>
+                <a:tc>
+                  <a:txBody>
+                    <a:bodyPr tIns="18288" bIns="18288" lIns="45720" rIns="45720"/>
+                    <a:lstStyle/>
+                    <a:p>
+                      <a:pPr>
+                        <a:defRPr sz="700" b="1">
+                          <a:solidFill>
+                            <a:srgbClr val="FFFFFF"/>
+                          </a:solidFill>
+                          <a:latin typeface="Arial Narrow"/>
+                        </a:defRPr>
+                      </a:pPr>
+                      <a:r>
+                        <a:t>X Départ ERPT - Y Départ ERPT</a:t>
+                      </a:r>
+                    </a:p>
+                  </a:txBody>
+                  <a:tcPr>
+                    <a:solidFill>
+                      <a:srgbClr val="FF6800"/>
+                    </a:solidFill>
+                  </a:tcPr>
+                </a:tc>
+                <a:tc>
+                  <a:txBody>
+                    <a:bodyPr tIns="18288" bIns="18288" lIns="45720" rIns="45720"/>
+                    <a:lstStyle/>
+                    <a:p>
+                      <a:pPr>
+                        <a:defRPr sz="700" b="1">
+                          <a:solidFill>
+                            <a:srgbClr val="FFFFFF"/>
+                          </a:solidFill>
+                          <a:latin typeface="Arial Narrow"/>
+                        </a:defRPr>
+                      </a:pPr>
+                      <a:r>
+                        <a:t>X Arrivée ERPT - Y Arrivée ERPT</a:t>
+                      </a:r>
+                    </a:p>
+                  </a:txBody>
+                  <a:tcPr>
+                    <a:solidFill>
+                      <a:srgbClr val="FF6800"/>
                     </a:solidFill>
                   </a:tcPr>
                 </a:tc>
@@ -3445,7 +3495,11 @@
                       </a:r>
                     </a:p>
                   </a:txBody>
-                  <a:tcPr/>
+                  <a:tcPr>
+                    <a:solidFill>
+                      <a:srgbClr val="FFFFFF"/>
+                    </a:solidFill>
+                  </a:tcPr>
                 </a:tc>
                 <a:tc>
                   <a:txBody>
@@ -3462,7 +3516,11 @@
                       </a:r>
                     </a:p>
                   </a:txBody>
-                  <a:tcPr/>
+                  <a:tcPr>
+                    <a:solidFill>
+                      <a:srgbClr val="FFFFFF"/>
+                    </a:solidFill>
+                  </a:tcPr>
                 </a:tc>
                 <a:tc>
                   <a:txBody>
@@ -3479,7 +3537,32 @@
                       </a:r>
                     </a:p>
                   </a:txBody>
-                  <a:tcPr/>
+                  <a:tcPr>
+                    <a:solidFill>
+                      <a:srgbClr val="FFFFFF"/>
+                    </a:solidFill>
+                  </a:tcPr>
+                </a:tc>
+                <a:tc>
+                  <a:txBody>
+                    <a:bodyPr tIns="18288" bIns="18288" lIns="45720" rIns="45720"/>
+                    <a:lstStyle/>
+                    <a:p>
+                      <a:pPr>
+                        <a:defRPr sz="700">
+                          <a:latin typeface="Arial Narrow"/>
+                        </a:defRPr>
+                      </a:pPr>
+                      <a:r>
+                        <a:t>rgaregfregre</a:t>
+                      </a:r>
+                    </a:p>
+                  </a:txBody>
+                  <a:tcPr>
+                    <a:solidFill>
+                      <a:srgbClr val="FFFFFF"/>
+                    </a:solidFill>
+                  </a:tcPr>
                 </a:tc>
                 <a:tc>
                   <a:txBody>
@@ -3496,7 +3579,11 @@
                       </a:r>
                     </a:p>
                   </a:txBody>
-                  <a:tcPr/>
+                  <a:tcPr>
+                    <a:solidFill>
+                      <a:srgbClr val="FFFFFF"/>
+                    </a:solidFill>
+                  </a:tcPr>
                 </a:tc>
                 <a:tc>
                   <a:txBody>
@@ -3513,41 +3600,74 @@
                       </a:r>
                     </a:p>
                   </a:txBody>
-                  <a:tcPr/>
-                </a:tc>
-                <a:tc>
-                  <a:txBody>
-                    <a:bodyPr tIns="18288" bIns="18288" lIns="45720" rIns="45720"/>
-                    <a:lstStyle/>
-                    <a:p>
-                      <a:pPr>
-                        <a:defRPr sz="700">
-                          <a:latin typeface="Arial Narrow"/>
-                        </a:defRPr>
-                      </a:pPr>
-                      <a:r>
-                        <a:t> 33.986861°,  -6.800111°</a:t>
-                      </a:r>
-                    </a:p>
-                  </a:txBody>
-                  <a:tcPr/>
-                </a:tc>
-                <a:tc>
-                  <a:txBody>
-                    <a:bodyPr tIns="18288" bIns="18288" lIns="45720" rIns="45720"/>
-                    <a:lstStyle/>
-                    <a:p>
-                      <a:pPr>
-                        <a:defRPr sz="700">
-                          <a:latin typeface="Arial Narrow"/>
-                        </a:defRPr>
-                      </a:pPr>
-                      <a:r>
-                        <a:t> 33.986958°,  -6.802556°</a:t>
-                      </a:r>
-                    </a:p>
-                  </a:txBody>
-                  <a:tcPr/>
+                  <a:tcPr>
+                    <a:solidFill>
+                      <a:srgbClr val="FFFFFF"/>
+                    </a:solidFill>
+                  </a:tcPr>
+                </a:tc>
+                <a:tc>
+                  <a:txBody>
+                    <a:bodyPr tIns="18288" bIns="18288" lIns="45720" rIns="45720"/>
+                    <a:lstStyle/>
+                    <a:p>
+                      <a:pPr>
+                        <a:defRPr sz="700">
+                          <a:latin typeface="Arial Narrow"/>
+                        </a:defRPr>
+                      </a:pPr>
+                      <a:r>
+                        <a:t>SGDHNDKS</a:t>
+                      </a:r>
+                    </a:p>
+                  </a:txBody>
+                  <a:tcPr>
+                    <a:solidFill>
+                      <a:srgbClr val="FFFFFF"/>
+                    </a:solidFill>
+                  </a:tcPr>
+                </a:tc>
+                <a:tc>
+                  <a:txBody>
+                    <a:bodyPr tIns="18288" bIns="18288" lIns="45720" rIns="45720"/>
+                    <a:lstStyle/>
+                    <a:p>
+                      <a:pPr>
+                        <a:defRPr sz="700">
+                          <a:latin typeface="Arial Narrow"/>
+                        </a:defRPr>
+                      </a:pPr>
+                      <a:r>
+                        <a:t>33.986861°, -6.800111°</a:t>
+                      </a:r>
+                    </a:p>
+                  </a:txBody>
+                  <a:tcPr>
+                    <a:solidFill>
+                      <a:srgbClr val="FFFFFF"/>
+                    </a:solidFill>
+                  </a:tcPr>
+                </a:tc>
+                <a:tc>
+                  <a:txBody>
+                    <a:bodyPr tIns="18288" bIns="18288" lIns="45720" rIns="45720"/>
+                    <a:lstStyle/>
+                    <a:p>
+                      <a:pPr>
+                        <a:defRPr sz="700">
+                          <a:latin typeface="Arial Narrow"/>
+                        </a:defRPr>
+                      </a:pPr>
+                      <a:r>
+                        <a:t>33.986958°, -6.802556°</a:t>
+                      </a:r>
+                    </a:p>
+                  </a:txBody>
+                  <a:tcPr>
+                    <a:solidFill>
+                      <a:srgbClr val="FFFFFF"/>
+                    </a:solidFill>
+                  </a:tcPr>
                 </a:tc>
               </a:tr>
               <a:tr h="18000">
@@ -3568,7 +3688,7 @@
                   </a:txBody>
                   <a:tcPr>
                     <a:solidFill>
-                      <a:srgbClr val="F2F2F2"/>
+                      <a:srgbClr val="FFD4B9"/>
                     </a:solidFill>
                   </a:tcPr>
                 </a:tc>
@@ -3589,7 +3709,7 @@
                   </a:txBody>
                   <a:tcPr>
                     <a:solidFill>
-                      <a:srgbClr val="F2F2F2"/>
+                      <a:srgbClr val="FFD4B9"/>
                     </a:solidFill>
                   </a:tcPr>
                 </a:tc>
@@ -3610,7 +3730,25 @@
                   </a:txBody>
                   <a:tcPr>
                     <a:solidFill>
-                      <a:srgbClr val="F2F2F2"/>
+                      <a:srgbClr val="FFD4B9"/>
+                    </a:solidFill>
+                  </a:tcPr>
+                </a:tc>
+                <a:tc>
+                  <a:txBody>
+                    <a:bodyPr tIns="18288" bIns="18288" lIns="45720" rIns="45720"/>
+                    <a:lstStyle/>
+                    <a:p>
+                      <a:pPr>
+                        <a:defRPr sz="700">
+                          <a:latin typeface="Arial Narrow"/>
+                        </a:defRPr>
+                      </a:pPr>
+                    </a:p>
+                  </a:txBody>
+                  <a:tcPr>
+                    <a:solidFill>
+                      <a:srgbClr val="FFD4B9"/>
                     </a:solidFill>
                   </a:tcPr>
                 </a:tc>
@@ -3631,7 +3769,7 @@
                   </a:txBody>
                   <a:tcPr>
                     <a:solidFill>
-                      <a:srgbClr val="F2F2F2"/>
+                      <a:srgbClr val="FFD4B9"/>
                     </a:solidFill>
                   </a:tcPr>
                 </a:tc>
@@ -3652,49 +3790,67 @@
                   </a:txBody>
                   <a:tcPr>
                     <a:solidFill>
-                      <a:srgbClr val="F2F2F2"/>
-                    </a:solidFill>
-                  </a:tcPr>
-                </a:tc>
-                <a:tc>
-                  <a:txBody>
-                    <a:bodyPr tIns="18288" bIns="18288" lIns="45720" rIns="45720"/>
-                    <a:lstStyle/>
-                    <a:p>
-                      <a:pPr>
-                        <a:defRPr sz="700">
-                          <a:latin typeface="Arial Narrow"/>
-                        </a:defRPr>
-                      </a:pPr>
-                      <a:r>
-                        <a:t>34.28486611, -6.60890066</a:t>
-                      </a:r>
-                    </a:p>
-                  </a:txBody>
-                  <a:tcPr>
-                    <a:solidFill>
-                      <a:srgbClr val="F2F2F2"/>
-                    </a:solidFill>
-                  </a:tcPr>
-                </a:tc>
-                <a:tc>
-                  <a:txBody>
-                    <a:bodyPr tIns="18288" bIns="18288" lIns="45720" rIns="45720"/>
-                    <a:lstStyle/>
-                    <a:p>
-                      <a:pPr>
-                        <a:defRPr sz="700">
-                          <a:latin typeface="Arial Narrow"/>
-                        </a:defRPr>
-                      </a:pPr>
-                      <a:r>
-                        <a:t>34.27583333, -6.61138889</a:t>
-                      </a:r>
-                    </a:p>
-                  </a:txBody>
-                  <a:tcPr>
-                    <a:solidFill>
-                      <a:srgbClr val="F2F2F2"/>
+                      <a:srgbClr val="FFD4B9"/>
+                    </a:solidFill>
+                  </a:tcPr>
+                </a:tc>
+                <a:tc>
+                  <a:txBody>
+                    <a:bodyPr tIns="18288" bIns="18288" lIns="45720" rIns="45720"/>
+                    <a:lstStyle/>
+                    <a:p>
+                      <a:pPr>
+                        <a:defRPr sz="700">
+                          <a:latin typeface="Arial Narrow"/>
+                        </a:defRPr>
+                      </a:pPr>
+                    </a:p>
+                  </a:txBody>
+                  <a:tcPr>
+                    <a:solidFill>
+                      <a:srgbClr val="FFD4B9"/>
+                    </a:solidFill>
+                  </a:tcPr>
+                </a:tc>
+                <a:tc>
+                  <a:txBody>
+                    <a:bodyPr tIns="18288" bIns="18288" lIns="45720" rIns="45720"/>
+                    <a:lstStyle/>
+                    <a:p>
+                      <a:pPr>
+                        <a:defRPr sz="700">
+                          <a:latin typeface="Arial Narrow"/>
+                        </a:defRPr>
+                      </a:pPr>
+                      <a:r>
+                        <a:t>34.28487, -6.60890</a:t>
+                      </a:r>
+                    </a:p>
+                  </a:txBody>
+                  <a:tcPr>
+                    <a:solidFill>
+                      <a:srgbClr val="FFD4B9"/>
+                    </a:solidFill>
+                  </a:tcPr>
+                </a:tc>
+                <a:tc>
+                  <a:txBody>
+                    <a:bodyPr tIns="18288" bIns="18288" lIns="45720" rIns="45720"/>
+                    <a:lstStyle/>
+                    <a:p>
+                      <a:pPr>
+                        <a:defRPr sz="700">
+                          <a:latin typeface="Arial Narrow"/>
+                        </a:defRPr>
+                      </a:pPr>
+                      <a:r>
+                        <a:t>34.27583, -6.61139</a:t>
+                      </a:r>
+                    </a:p>
+                  </a:txBody>
+                  <a:tcPr>
+                    <a:solidFill>
+                      <a:srgbClr val="FFD4B9"/>
                     </a:solidFill>
                   </a:tcPr>
                 </a:tc>
@@ -3715,7 +3871,11 @@
                       </a:r>
                     </a:p>
                   </a:txBody>
-                  <a:tcPr/>
+                  <a:tcPr>
+                    <a:solidFill>
+                      <a:srgbClr val="FFFFFF"/>
+                    </a:solidFill>
+                  </a:tcPr>
                 </a:tc>
                 <a:tc>
                   <a:txBody>
@@ -3732,7 +3892,11 @@
                       </a:r>
                     </a:p>
                   </a:txBody>
-                  <a:tcPr/>
+                  <a:tcPr>
+                    <a:solidFill>
+                      <a:srgbClr val="FFFFFF"/>
+                    </a:solidFill>
+                  </a:tcPr>
                 </a:tc>
                 <a:tc>
                   <a:txBody>
@@ -3749,7 +3913,29 @@
                       </a:r>
                     </a:p>
                   </a:txBody>
-                  <a:tcPr/>
+                  <a:tcPr>
+                    <a:solidFill>
+                      <a:srgbClr val="FFFFFF"/>
+                    </a:solidFill>
+                  </a:tcPr>
+                </a:tc>
+                <a:tc>
+                  <a:txBody>
+                    <a:bodyPr tIns="18288" bIns="18288" lIns="45720" rIns="45720"/>
+                    <a:lstStyle/>
+                    <a:p>
+                      <a:pPr>
+                        <a:defRPr sz="700">
+                          <a:latin typeface="Arial Narrow"/>
+                        </a:defRPr>
+                      </a:pPr>
+                    </a:p>
+                  </a:txBody>
+                  <a:tcPr>
+                    <a:solidFill>
+                      <a:srgbClr val="FFFFFF"/>
+                    </a:solidFill>
+                  </a:tcPr>
                 </a:tc>
                 <a:tc>
                   <a:txBody>
@@ -3766,7 +3952,11 @@
                       </a:r>
                     </a:p>
                   </a:txBody>
-                  <a:tcPr/>
+                  <a:tcPr>
+                    <a:solidFill>
+                      <a:srgbClr val="FFFFFF"/>
+                    </a:solidFill>
+                  </a:tcPr>
                 </a:tc>
                 <a:tc>
                   <a:txBody>
@@ -3783,41 +3973,71 @@
                       </a:r>
                     </a:p>
                   </a:txBody>
-                  <a:tcPr/>
-                </a:tc>
-                <a:tc>
-                  <a:txBody>
-                    <a:bodyPr tIns="18288" bIns="18288" lIns="45720" rIns="45720"/>
-                    <a:lstStyle/>
-                    <a:p>
-                      <a:pPr>
-                        <a:defRPr sz="700">
-                          <a:latin typeface="Arial Narrow"/>
-                        </a:defRPr>
-                      </a:pPr>
-                      <a:r>
-                        <a:t>34.25244433, -6.52158981</a:t>
-                      </a:r>
-                    </a:p>
-                  </a:txBody>
-                  <a:tcPr/>
-                </a:tc>
-                <a:tc>
-                  <a:txBody>
-                    <a:bodyPr tIns="18288" bIns="18288" lIns="45720" rIns="45720"/>
-                    <a:lstStyle/>
-                    <a:p>
-                      <a:pPr>
-                        <a:defRPr sz="700">
-                          <a:latin typeface="Arial Narrow"/>
-                        </a:defRPr>
-                      </a:pPr>
-                      <a:r>
-                        <a:t>34.24736600, -6.54666200</a:t>
-                      </a:r>
-                    </a:p>
-                  </a:txBody>
-                  <a:tcPr/>
+                  <a:tcPr>
+                    <a:solidFill>
+                      <a:srgbClr val="FFFFFF"/>
+                    </a:solidFill>
+                  </a:tcPr>
+                </a:tc>
+                <a:tc>
+                  <a:txBody>
+                    <a:bodyPr tIns="18288" bIns="18288" lIns="45720" rIns="45720"/>
+                    <a:lstStyle/>
+                    <a:p>
+                      <a:pPr>
+                        <a:defRPr sz="700">
+                          <a:latin typeface="Arial Narrow"/>
+                        </a:defRPr>
+                      </a:pPr>
+                    </a:p>
+                  </a:txBody>
+                  <a:tcPr>
+                    <a:solidFill>
+                      <a:srgbClr val="FFFFFF"/>
+                    </a:solidFill>
+                  </a:tcPr>
+                </a:tc>
+                <a:tc>
+                  <a:txBody>
+                    <a:bodyPr tIns="18288" bIns="18288" lIns="45720" rIns="45720"/>
+                    <a:lstStyle/>
+                    <a:p>
+                      <a:pPr>
+                        <a:defRPr sz="700">
+                          <a:latin typeface="Arial Narrow"/>
+                        </a:defRPr>
+                      </a:pPr>
+                      <a:r>
+                        <a:t>34.25244, -6.52159</a:t>
+                      </a:r>
+                    </a:p>
+                  </a:txBody>
+                  <a:tcPr>
+                    <a:solidFill>
+                      <a:srgbClr val="FFFFFF"/>
+                    </a:solidFill>
+                  </a:tcPr>
+                </a:tc>
+                <a:tc>
+                  <a:txBody>
+                    <a:bodyPr tIns="18288" bIns="18288" lIns="45720" rIns="45720"/>
+                    <a:lstStyle/>
+                    <a:p>
+                      <a:pPr>
+                        <a:defRPr sz="700">
+                          <a:latin typeface="Arial Narrow"/>
+                        </a:defRPr>
+                      </a:pPr>
+                      <a:r>
+                        <a:t>34.24737, -6.54666</a:t>
+                      </a:r>
+                    </a:p>
+                  </a:txBody>
+                  <a:tcPr>
+                    <a:solidFill>
+                      <a:srgbClr val="FFFFFF"/>
+                    </a:solidFill>
+                  </a:tcPr>
                 </a:tc>
               </a:tr>
               <a:tr h="18000">
@@ -3838,7 +4058,7 @@
                   </a:txBody>
                   <a:tcPr>
                     <a:solidFill>
-                      <a:srgbClr val="F2F2F2"/>
+                      <a:srgbClr val="FFD4B9"/>
                     </a:solidFill>
                   </a:tcPr>
                 </a:tc>
@@ -3859,7 +4079,7 @@
                   </a:txBody>
                   <a:tcPr>
                     <a:solidFill>
-                      <a:srgbClr val="F2F2F2"/>
+                      <a:srgbClr val="FFD4B9"/>
                     </a:solidFill>
                   </a:tcPr>
                 </a:tc>
@@ -3880,7 +4100,25 @@
                   </a:txBody>
                   <a:tcPr>
                     <a:solidFill>
-                      <a:srgbClr val="F2F2F2"/>
+                      <a:srgbClr val="FFD4B9"/>
+                    </a:solidFill>
+                  </a:tcPr>
+                </a:tc>
+                <a:tc>
+                  <a:txBody>
+                    <a:bodyPr tIns="18288" bIns="18288" lIns="45720" rIns="45720"/>
+                    <a:lstStyle/>
+                    <a:p>
+                      <a:pPr>
+                        <a:defRPr sz="700">
+                          <a:latin typeface="Arial Narrow"/>
+                        </a:defRPr>
+                      </a:pPr>
+                    </a:p>
+                  </a:txBody>
+                  <a:tcPr>
+                    <a:solidFill>
+                      <a:srgbClr val="FFD4B9"/>
                     </a:solidFill>
                   </a:tcPr>
                 </a:tc>
@@ -3901,7 +4139,7 @@
                   </a:txBody>
                   <a:tcPr>
                     <a:solidFill>
-                      <a:srgbClr val="F2F2F2"/>
+                      <a:srgbClr val="FFD4B9"/>
                     </a:solidFill>
                   </a:tcPr>
                 </a:tc>
@@ -3922,49 +4160,67 @@
                   </a:txBody>
                   <a:tcPr>
                     <a:solidFill>
-                      <a:srgbClr val="F2F2F2"/>
-                    </a:solidFill>
-                  </a:tcPr>
-                </a:tc>
-                <a:tc>
-                  <a:txBody>
-                    <a:bodyPr tIns="18288" bIns="18288" lIns="45720" rIns="45720"/>
-                    <a:lstStyle/>
-                    <a:p>
-                      <a:pPr>
-                        <a:defRPr sz="700">
-                          <a:latin typeface="Arial Narrow"/>
-                        </a:defRPr>
-                      </a:pPr>
-                      <a:r>
-                        <a:t>34.25759010, -6.55197853</a:t>
-                      </a:r>
-                    </a:p>
-                  </a:txBody>
-                  <a:tcPr>
-                    <a:solidFill>
-                      <a:srgbClr val="F2F2F2"/>
-                    </a:solidFill>
-                  </a:tcPr>
-                </a:tc>
-                <a:tc>
-                  <a:txBody>
-                    <a:bodyPr tIns="18288" bIns="18288" lIns="45720" rIns="45720"/>
-                    <a:lstStyle/>
-                    <a:p>
-                      <a:pPr>
-                        <a:defRPr sz="700">
-                          <a:latin typeface="Arial Narrow"/>
-                        </a:defRPr>
-                      </a:pPr>
-                      <a:r>
-                        <a:t>34.24930300, -6.55527600</a:t>
-                      </a:r>
-                    </a:p>
-                  </a:txBody>
-                  <a:tcPr>
-                    <a:solidFill>
-                      <a:srgbClr val="F2F2F2"/>
+                      <a:srgbClr val="FFD4B9"/>
+                    </a:solidFill>
+                  </a:tcPr>
+                </a:tc>
+                <a:tc>
+                  <a:txBody>
+                    <a:bodyPr tIns="18288" bIns="18288" lIns="45720" rIns="45720"/>
+                    <a:lstStyle/>
+                    <a:p>
+                      <a:pPr>
+                        <a:defRPr sz="700">
+                          <a:latin typeface="Arial Narrow"/>
+                        </a:defRPr>
+                      </a:pPr>
+                    </a:p>
+                  </a:txBody>
+                  <a:tcPr>
+                    <a:solidFill>
+                      <a:srgbClr val="FFD4B9"/>
+                    </a:solidFill>
+                  </a:tcPr>
+                </a:tc>
+                <a:tc>
+                  <a:txBody>
+                    <a:bodyPr tIns="18288" bIns="18288" lIns="45720" rIns="45720"/>
+                    <a:lstStyle/>
+                    <a:p>
+                      <a:pPr>
+                        <a:defRPr sz="700">
+                          <a:latin typeface="Arial Narrow"/>
+                        </a:defRPr>
+                      </a:pPr>
+                      <a:r>
+                        <a:t>34.25759, -6.55198</a:t>
+                      </a:r>
+                    </a:p>
+                  </a:txBody>
+                  <a:tcPr>
+                    <a:solidFill>
+                      <a:srgbClr val="FFD4B9"/>
+                    </a:solidFill>
+                  </a:tcPr>
+                </a:tc>
+                <a:tc>
+                  <a:txBody>
+                    <a:bodyPr tIns="18288" bIns="18288" lIns="45720" rIns="45720"/>
+                    <a:lstStyle/>
+                    <a:p>
+                      <a:pPr>
+                        <a:defRPr sz="700">
+                          <a:latin typeface="Arial Narrow"/>
+                        </a:defRPr>
+                      </a:pPr>
+                      <a:r>
+                        <a:t>34.24930, -6.55528</a:t>
+                      </a:r>
+                    </a:p>
+                  </a:txBody>
+                  <a:tcPr>
+                    <a:solidFill>
+                      <a:srgbClr val="FFD4B9"/>
                     </a:solidFill>
                   </a:tcPr>
                 </a:tc>
@@ -3985,7 +4241,11 @@
                       </a:r>
                     </a:p>
                   </a:txBody>
-                  <a:tcPr/>
+                  <a:tcPr>
+                    <a:solidFill>
+                      <a:srgbClr val="FFFFFF"/>
+                    </a:solidFill>
+                  </a:tcPr>
                 </a:tc>
                 <a:tc>
                   <a:txBody>
@@ -4002,7 +4262,11 @@
                       </a:r>
                     </a:p>
                   </a:txBody>
-                  <a:tcPr/>
+                  <a:tcPr>
+                    <a:solidFill>
+                      <a:srgbClr val="FFFFFF"/>
+                    </a:solidFill>
+                  </a:tcPr>
                 </a:tc>
                 <a:tc>
                   <a:txBody>
@@ -4019,7 +4283,29 @@
                       </a:r>
                     </a:p>
                   </a:txBody>
-                  <a:tcPr/>
+                  <a:tcPr>
+                    <a:solidFill>
+                      <a:srgbClr val="FFFFFF"/>
+                    </a:solidFill>
+                  </a:tcPr>
+                </a:tc>
+                <a:tc>
+                  <a:txBody>
+                    <a:bodyPr tIns="18288" bIns="18288" lIns="45720" rIns="45720"/>
+                    <a:lstStyle/>
+                    <a:p>
+                      <a:pPr>
+                        <a:defRPr sz="700">
+                          <a:latin typeface="Arial Narrow"/>
+                        </a:defRPr>
+                      </a:pPr>
+                    </a:p>
+                  </a:txBody>
+                  <a:tcPr>
+                    <a:solidFill>
+                      <a:srgbClr val="FFFFFF"/>
+                    </a:solidFill>
+                  </a:tcPr>
                 </a:tc>
                 <a:tc>
                   <a:txBody>
@@ -4036,7 +4322,11 @@
                       </a:r>
                     </a:p>
                   </a:txBody>
-                  <a:tcPr/>
+                  <a:tcPr>
+                    <a:solidFill>
+                      <a:srgbClr val="FFFFFF"/>
+                    </a:solidFill>
+                  </a:tcPr>
                 </a:tc>
                 <a:tc>
                   <a:txBody>
@@ -4053,41 +4343,71 @@
                       </a:r>
                     </a:p>
                   </a:txBody>
-                  <a:tcPr/>
-                </a:tc>
-                <a:tc>
-                  <a:txBody>
-                    <a:bodyPr tIns="18288" bIns="18288" lIns="45720" rIns="45720"/>
-                    <a:lstStyle/>
-                    <a:p>
-                      <a:pPr>
-                        <a:defRPr sz="700">
-                          <a:latin typeface="Arial Narrow"/>
-                        </a:defRPr>
-                      </a:pPr>
-                      <a:r>
-                        <a:t>34.26189000, -6.57102000</a:t>
-                      </a:r>
-                    </a:p>
-                  </a:txBody>
-                  <a:tcPr/>
-                </a:tc>
-                <a:tc>
-                  <a:txBody>
-                    <a:bodyPr tIns="18288" bIns="18288" lIns="45720" rIns="45720"/>
-                    <a:lstStyle/>
-                    <a:p>
-                      <a:pPr>
-                        <a:defRPr sz="700">
-                          <a:latin typeface="Arial Narrow"/>
-                        </a:defRPr>
-                      </a:pPr>
-                      <a:r>
-                        <a:t>34.26331500, -6.57105200</a:t>
-                      </a:r>
-                    </a:p>
-                  </a:txBody>
-                  <a:tcPr/>
+                  <a:tcPr>
+                    <a:solidFill>
+                      <a:srgbClr val="FFFFFF"/>
+                    </a:solidFill>
+                  </a:tcPr>
+                </a:tc>
+                <a:tc>
+                  <a:txBody>
+                    <a:bodyPr tIns="18288" bIns="18288" lIns="45720" rIns="45720"/>
+                    <a:lstStyle/>
+                    <a:p>
+                      <a:pPr>
+                        <a:defRPr sz="700">
+                          <a:latin typeface="Arial Narrow"/>
+                        </a:defRPr>
+                      </a:pPr>
+                    </a:p>
+                  </a:txBody>
+                  <a:tcPr>
+                    <a:solidFill>
+                      <a:srgbClr val="FFFFFF"/>
+                    </a:solidFill>
+                  </a:tcPr>
+                </a:tc>
+                <a:tc>
+                  <a:txBody>
+                    <a:bodyPr tIns="18288" bIns="18288" lIns="45720" rIns="45720"/>
+                    <a:lstStyle/>
+                    <a:p>
+                      <a:pPr>
+                        <a:defRPr sz="700">
+                          <a:latin typeface="Arial Narrow"/>
+                        </a:defRPr>
+                      </a:pPr>
+                      <a:r>
+                        <a:t>34.26189, -6.57102</a:t>
+                      </a:r>
+                    </a:p>
+                  </a:txBody>
+                  <a:tcPr>
+                    <a:solidFill>
+                      <a:srgbClr val="FFFFFF"/>
+                    </a:solidFill>
+                  </a:tcPr>
+                </a:tc>
+                <a:tc>
+                  <a:txBody>
+                    <a:bodyPr tIns="18288" bIns="18288" lIns="45720" rIns="45720"/>
+                    <a:lstStyle/>
+                    <a:p>
+                      <a:pPr>
+                        <a:defRPr sz="700">
+                          <a:latin typeface="Arial Narrow"/>
+                        </a:defRPr>
+                      </a:pPr>
+                      <a:r>
+                        <a:t>34.26331, -6.57105</a:t>
+                      </a:r>
+                    </a:p>
+                  </a:txBody>
+                  <a:tcPr>
+                    <a:solidFill>
+                      <a:srgbClr val="FFFFFF"/>
+                    </a:solidFill>
+                  </a:tcPr>
                 </a:tc>
               </a:tr>
               <a:tr h="18000">
@@ -4108,7 +4428,7 @@
                   </a:txBody>
                   <a:tcPr>
                     <a:solidFill>
-                      <a:srgbClr val="F2F2F2"/>
+                      <a:srgbClr val="FFD4B9"/>
                     </a:solidFill>
                   </a:tcPr>
                 </a:tc>
@@ -4129,7 +4449,7 @@
                   </a:txBody>
                   <a:tcPr>
                     <a:solidFill>
-                      <a:srgbClr val="F2F2F2"/>
+                      <a:srgbClr val="FFD4B9"/>
                     </a:solidFill>
                   </a:tcPr>
                 </a:tc>
@@ -4150,7 +4470,25 @@
                   </a:txBody>
                   <a:tcPr>
                     <a:solidFill>
-                      <a:srgbClr val="F2F2F2"/>
+                      <a:srgbClr val="FFD4B9"/>
+                    </a:solidFill>
+                  </a:tcPr>
+                </a:tc>
+                <a:tc>
+                  <a:txBody>
+                    <a:bodyPr tIns="18288" bIns="18288" lIns="45720" rIns="45720"/>
+                    <a:lstStyle/>
+                    <a:p>
+                      <a:pPr>
+                        <a:defRPr sz="700">
+                          <a:latin typeface="Arial Narrow"/>
+                        </a:defRPr>
+                      </a:pPr>
+                    </a:p>
+                  </a:txBody>
+                  <a:tcPr>
+                    <a:solidFill>
+                      <a:srgbClr val="FFD4B9"/>
                     </a:solidFill>
                   </a:tcPr>
                 </a:tc>
@@ -4171,7 +4509,7 @@
                   </a:txBody>
                   <a:tcPr>
                     <a:solidFill>
-                      <a:srgbClr val="F2F2F2"/>
+                      <a:srgbClr val="FFD4B9"/>
                     </a:solidFill>
                   </a:tcPr>
                 </a:tc>
@@ -4192,49 +4530,67 @@
                   </a:txBody>
                   <a:tcPr>
                     <a:solidFill>
-                      <a:srgbClr val="F2F2F2"/>
-                    </a:solidFill>
-                  </a:tcPr>
-                </a:tc>
-                <a:tc>
-                  <a:txBody>
-                    <a:bodyPr tIns="18288" bIns="18288" lIns="45720" rIns="45720"/>
-                    <a:lstStyle/>
-                    <a:p>
-                      <a:pPr>
-                        <a:defRPr sz="700">
-                          <a:latin typeface="Arial Narrow"/>
-                        </a:defRPr>
-                      </a:pPr>
-                      <a:r>
-                        <a:t>34.23416800, -6.52999800</a:t>
-                      </a:r>
-                    </a:p>
-                  </a:txBody>
-                  <a:tcPr>
-                    <a:solidFill>
-                      <a:srgbClr val="F2F2F2"/>
-                    </a:solidFill>
-                  </a:tcPr>
-                </a:tc>
-                <a:tc>
-                  <a:txBody>
-                    <a:bodyPr tIns="18288" bIns="18288" lIns="45720" rIns="45720"/>
-                    <a:lstStyle/>
-                    <a:p>
-                      <a:pPr>
-                        <a:defRPr sz="700">
-                          <a:latin typeface="Arial Narrow"/>
-                        </a:defRPr>
-                      </a:pPr>
-                      <a:r>
-                        <a:t>34.23914016, -6.54668213</a:t>
-                      </a:r>
-                    </a:p>
-                  </a:txBody>
-                  <a:tcPr>
-                    <a:solidFill>
-                      <a:srgbClr val="F2F2F2"/>
+                      <a:srgbClr val="FFD4B9"/>
+                    </a:solidFill>
+                  </a:tcPr>
+                </a:tc>
+                <a:tc>
+                  <a:txBody>
+                    <a:bodyPr tIns="18288" bIns="18288" lIns="45720" rIns="45720"/>
+                    <a:lstStyle/>
+                    <a:p>
+                      <a:pPr>
+                        <a:defRPr sz="700">
+                          <a:latin typeface="Arial Narrow"/>
+                        </a:defRPr>
+                      </a:pPr>
+                    </a:p>
+                  </a:txBody>
+                  <a:tcPr>
+                    <a:solidFill>
+                      <a:srgbClr val="FFD4B9"/>
+                    </a:solidFill>
+                  </a:tcPr>
+                </a:tc>
+                <a:tc>
+                  <a:txBody>
+                    <a:bodyPr tIns="18288" bIns="18288" lIns="45720" rIns="45720"/>
+                    <a:lstStyle/>
+                    <a:p>
+                      <a:pPr>
+                        <a:defRPr sz="700">
+                          <a:latin typeface="Arial Narrow"/>
+                        </a:defRPr>
+                      </a:pPr>
+                      <a:r>
+                        <a:t>34.23417, -6.53000</a:t>
+                      </a:r>
+                    </a:p>
+                  </a:txBody>
+                  <a:tcPr>
+                    <a:solidFill>
+                      <a:srgbClr val="FFD4B9"/>
+                    </a:solidFill>
+                  </a:tcPr>
+                </a:tc>
+                <a:tc>
+                  <a:txBody>
+                    <a:bodyPr tIns="18288" bIns="18288" lIns="45720" rIns="45720"/>
+                    <a:lstStyle/>
+                    <a:p>
+                      <a:pPr>
+                        <a:defRPr sz="700">
+                          <a:latin typeface="Arial Narrow"/>
+                        </a:defRPr>
+                      </a:pPr>
+                      <a:r>
+                        <a:t>34.23914, -6.54668</a:t>
+                      </a:r>
+                    </a:p>
+                  </a:txBody>
+                  <a:tcPr>
+                    <a:solidFill>
+                      <a:srgbClr val="FFD4B9"/>
                     </a:solidFill>
                   </a:tcPr>
                 </a:tc>
@@ -4255,7 +4611,11 @@
                       </a:r>
                     </a:p>
                   </a:txBody>
-                  <a:tcPr/>
+                  <a:tcPr>
+                    <a:solidFill>
+                      <a:srgbClr val="FFFFFF"/>
+                    </a:solidFill>
+                  </a:tcPr>
                 </a:tc>
                 <a:tc>
                   <a:txBody>
@@ -4272,7 +4632,11 @@
                       </a:r>
                     </a:p>
                   </a:txBody>
-                  <a:tcPr/>
+                  <a:tcPr>
+                    <a:solidFill>
+                      <a:srgbClr val="FFFFFF"/>
+                    </a:solidFill>
+                  </a:tcPr>
                 </a:tc>
                 <a:tc>
                   <a:txBody>
@@ -4289,7 +4653,29 @@
                       </a:r>
                     </a:p>
                   </a:txBody>
-                  <a:tcPr/>
+                  <a:tcPr>
+                    <a:solidFill>
+                      <a:srgbClr val="FFFFFF"/>
+                    </a:solidFill>
+                  </a:tcPr>
+                </a:tc>
+                <a:tc>
+                  <a:txBody>
+                    <a:bodyPr tIns="18288" bIns="18288" lIns="45720" rIns="45720"/>
+                    <a:lstStyle/>
+                    <a:p>
+                      <a:pPr>
+                        <a:defRPr sz="700">
+                          <a:latin typeface="Arial Narrow"/>
+                        </a:defRPr>
+                      </a:pPr>
+                    </a:p>
+                  </a:txBody>
+                  <a:tcPr>
+                    <a:solidFill>
+                      <a:srgbClr val="FFFFFF"/>
+                    </a:solidFill>
+                  </a:tcPr>
                 </a:tc>
                 <a:tc>
                   <a:txBody>
@@ -4306,7 +4692,11 @@
                       </a:r>
                     </a:p>
                   </a:txBody>
-                  <a:tcPr/>
+                  <a:tcPr>
+                    <a:solidFill>
+                      <a:srgbClr val="FFFFFF"/>
+                    </a:solidFill>
+                  </a:tcPr>
                 </a:tc>
                 <a:tc>
                   <a:txBody>
@@ -4323,41 +4713,71 @@
                       </a:r>
                     </a:p>
                   </a:txBody>
-                  <a:tcPr/>
-                </a:tc>
-                <a:tc>
-                  <a:txBody>
-                    <a:bodyPr tIns="18288" bIns="18288" lIns="45720" rIns="45720"/>
-                    <a:lstStyle/>
-                    <a:p>
-                      <a:pPr>
-                        <a:defRPr sz="700">
-                          <a:latin typeface="Arial Narrow"/>
-                        </a:defRPr>
-                      </a:pPr>
-                      <a:r>
-                        <a:t>34.21948965, -6.61459172</a:t>
-                      </a:r>
-                    </a:p>
-                  </a:txBody>
-                  <a:tcPr/>
-                </a:tc>
-                <a:tc>
-                  <a:txBody>
-                    <a:bodyPr tIns="18288" bIns="18288" lIns="45720" rIns="45720"/>
-                    <a:lstStyle/>
-                    <a:p>
-                      <a:pPr>
-                        <a:defRPr sz="700">
-                          <a:latin typeface="Arial Narrow"/>
-                        </a:defRPr>
-                      </a:pPr>
-                      <a:r>
-                        <a:t>34.23427898, -6.61676285</a:t>
-                      </a:r>
-                    </a:p>
-                  </a:txBody>
-                  <a:tcPr/>
+                  <a:tcPr>
+                    <a:solidFill>
+                      <a:srgbClr val="FFFFFF"/>
+                    </a:solidFill>
+                  </a:tcPr>
+                </a:tc>
+                <a:tc>
+                  <a:txBody>
+                    <a:bodyPr tIns="18288" bIns="18288" lIns="45720" rIns="45720"/>
+                    <a:lstStyle/>
+                    <a:p>
+                      <a:pPr>
+                        <a:defRPr sz="700">
+                          <a:latin typeface="Arial Narrow"/>
+                        </a:defRPr>
+                      </a:pPr>
+                    </a:p>
+                  </a:txBody>
+                  <a:tcPr>
+                    <a:solidFill>
+                      <a:srgbClr val="FFFFFF"/>
+                    </a:solidFill>
+                  </a:tcPr>
+                </a:tc>
+                <a:tc>
+                  <a:txBody>
+                    <a:bodyPr tIns="18288" bIns="18288" lIns="45720" rIns="45720"/>
+                    <a:lstStyle/>
+                    <a:p>
+                      <a:pPr>
+                        <a:defRPr sz="700">
+                          <a:latin typeface="Arial Narrow"/>
+                        </a:defRPr>
+                      </a:pPr>
+                      <a:r>
+                        <a:t>34.21949, -6.61459</a:t>
+                      </a:r>
+                    </a:p>
+                  </a:txBody>
+                  <a:tcPr>
+                    <a:solidFill>
+                      <a:srgbClr val="FFFFFF"/>
+                    </a:solidFill>
+                  </a:tcPr>
+                </a:tc>
+                <a:tc>
+                  <a:txBody>
+                    <a:bodyPr tIns="18288" bIns="18288" lIns="45720" rIns="45720"/>
+                    <a:lstStyle/>
+                    <a:p>
+                      <a:pPr>
+                        <a:defRPr sz="700">
+                          <a:latin typeface="Arial Narrow"/>
+                        </a:defRPr>
+                      </a:pPr>
+                      <a:r>
+                        <a:t>34.23428, -6.61676</a:t>
+                      </a:r>
+                    </a:p>
+                  </a:txBody>
+                  <a:tcPr>
+                    <a:solidFill>
+                      <a:srgbClr val="FFFFFF"/>
+                    </a:solidFill>
+                  </a:tcPr>
                 </a:tc>
               </a:tr>
               <a:tr h="18000">
@@ -4378,7 +4798,7 @@
                   </a:txBody>
                   <a:tcPr>
                     <a:solidFill>
-                      <a:srgbClr val="F2F2F2"/>
+                      <a:srgbClr val="FFD4B9"/>
                     </a:solidFill>
                   </a:tcPr>
                 </a:tc>
@@ -4399,7 +4819,7 @@
                   </a:txBody>
                   <a:tcPr>
                     <a:solidFill>
-                      <a:srgbClr val="F2F2F2"/>
+                      <a:srgbClr val="FFD4B9"/>
                     </a:solidFill>
                   </a:tcPr>
                 </a:tc>
@@ -4420,7 +4840,25 @@
                   </a:txBody>
                   <a:tcPr>
                     <a:solidFill>
-                      <a:srgbClr val="F2F2F2"/>
+                      <a:srgbClr val="FFD4B9"/>
+                    </a:solidFill>
+                  </a:tcPr>
+                </a:tc>
+                <a:tc>
+                  <a:txBody>
+                    <a:bodyPr tIns="18288" bIns="18288" lIns="45720" rIns="45720"/>
+                    <a:lstStyle/>
+                    <a:p>
+                      <a:pPr>
+                        <a:defRPr sz="700">
+                          <a:latin typeface="Arial Narrow"/>
+                        </a:defRPr>
+                      </a:pPr>
+                    </a:p>
+                  </a:txBody>
+                  <a:tcPr>
+                    <a:solidFill>
+                      <a:srgbClr val="FFD4B9"/>
                     </a:solidFill>
                   </a:tcPr>
                 </a:tc>
@@ -4441,7 +4879,7 @@
                   </a:txBody>
                   <a:tcPr>
                     <a:solidFill>
-                      <a:srgbClr val="F2F2F2"/>
+                      <a:srgbClr val="FFD4B9"/>
                     </a:solidFill>
                   </a:tcPr>
                 </a:tc>
@@ -4462,49 +4900,67 @@
                   </a:txBody>
                   <a:tcPr>
                     <a:solidFill>
-                      <a:srgbClr val="F2F2F2"/>
-                    </a:solidFill>
-                  </a:tcPr>
-                </a:tc>
-                <a:tc>
-                  <a:txBody>
-                    <a:bodyPr tIns="18288" bIns="18288" lIns="45720" rIns="45720"/>
-                    <a:lstStyle/>
-                    <a:p>
-                      <a:pPr>
-                        <a:defRPr sz="700">
-                          <a:latin typeface="Arial Narrow"/>
-                        </a:defRPr>
-                      </a:pPr>
-                      <a:r>
-                        <a:t>34.22774847, -6.54663547</a:t>
-                      </a:r>
-                    </a:p>
-                  </a:txBody>
-                  <a:tcPr>
-                    <a:solidFill>
-                      <a:srgbClr val="F2F2F2"/>
-                    </a:solidFill>
-                  </a:tcPr>
-                </a:tc>
-                <a:tc>
-                  <a:txBody>
-                    <a:bodyPr tIns="18288" bIns="18288" lIns="45720" rIns="45720"/>
-                    <a:lstStyle/>
-                    <a:p>
-                      <a:pPr>
-                        <a:defRPr sz="700">
-                          <a:latin typeface="Arial Narrow"/>
-                        </a:defRPr>
-                      </a:pPr>
-                      <a:r>
-                        <a:t>34.23819807, -6.55612815</a:t>
-                      </a:r>
-                    </a:p>
-                  </a:txBody>
-                  <a:tcPr>
-                    <a:solidFill>
-                      <a:srgbClr val="F2F2F2"/>
+                      <a:srgbClr val="FFD4B9"/>
+                    </a:solidFill>
+                  </a:tcPr>
+                </a:tc>
+                <a:tc>
+                  <a:txBody>
+                    <a:bodyPr tIns="18288" bIns="18288" lIns="45720" rIns="45720"/>
+                    <a:lstStyle/>
+                    <a:p>
+                      <a:pPr>
+                        <a:defRPr sz="700">
+                          <a:latin typeface="Arial Narrow"/>
+                        </a:defRPr>
+                      </a:pPr>
+                    </a:p>
+                  </a:txBody>
+                  <a:tcPr>
+                    <a:solidFill>
+                      <a:srgbClr val="FFD4B9"/>
+                    </a:solidFill>
+                  </a:tcPr>
+                </a:tc>
+                <a:tc>
+                  <a:txBody>
+                    <a:bodyPr tIns="18288" bIns="18288" lIns="45720" rIns="45720"/>
+                    <a:lstStyle/>
+                    <a:p>
+                      <a:pPr>
+                        <a:defRPr sz="700">
+                          <a:latin typeface="Arial Narrow"/>
+                        </a:defRPr>
+                      </a:pPr>
+                      <a:r>
+                        <a:t>34.22775, -6.54664</a:t>
+                      </a:r>
+                    </a:p>
+                  </a:txBody>
+                  <a:tcPr>
+                    <a:solidFill>
+                      <a:srgbClr val="FFD4B9"/>
+                    </a:solidFill>
+                  </a:tcPr>
+                </a:tc>
+                <a:tc>
+                  <a:txBody>
+                    <a:bodyPr tIns="18288" bIns="18288" lIns="45720" rIns="45720"/>
+                    <a:lstStyle/>
+                    <a:p>
+                      <a:pPr>
+                        <a:defRPr sz="700">
+                          <a:latin typeface="Arial Narrow"/>
+                        </a:defRPr>
+                      </a:pPr>
+                      <a:r>
+                        <a:t>34.23820, -6.55613</a:t>
+                      </a:r>
+                    </a:p>
+                  </a:txBody>
+                  <a:tcPr>
+                    <a:solidFill>
+                      <a:srgbClr val="FFD4B9"/>
                     </a:solidFill>
                   </a:tcPr>
                 </a:tc>
@@ -4525,7 +4981,11 @@
                       </a:r>
                     </a:p>
                   </a:txBody>
-                  <a:tcPr/>
+                  <a:tcPr>
+                    <a:solidFill>
+                      <a:srgbClr val="FFFFFF"/>
+                    </a:solidFill>
+                  </a:tcPr>
                 </a:tc>
                 <a:tc>
                   <a:txBody>
@@ -4542,7 +5002,11 @@
                       </a:r>
                     </a:p>
                   </a:txBody>
-                  <a:tcPr/>
+                  <a:tcPr>
+                    <a:solidFill>
+                      <a:srgbClr val="FFFFFF"/>
+                    </a:solidFill>
+                  </a:tcPr>
                 </a:tc>
                 <a:tc>
                   <a:txBody>
@@ -4559,7 +5023,29 @@
                       </a:r>
                     </a:p>
                   </a:txBody>
-                  <a:tcPr/>
+                  <a:tcPr>
+                    <a:solidFill>
+                      <a:srgbClr val="FFFFFF"/>
+                    </a:solidFill>
+                  </a:tcPr>
+                </a:tc>
+                <a:tc>
+                  <a:txBody>
+                    <a:bodyPr tIns="18288" bIns="18288" lIns="45720" rIns="45720"/>
+                    <a:lstStyle/>
+                    <a:p>
+                      <a:pPr>
+                        <a:defRPr sz="700">
+                          <a:latin typeface="Arial Narrow"/>
+                        </a:defRPr>
+                      </a:pPr>
+                    </a:p>
+                  </a:txBody>
+                  <a:tcPr>
+                    <a:solidFill>
+                      <a:srgbClr val="FFFFFF"/>
+                    </a:solidFill>
+                  </a:tcPr>
                 </a:tc>
                 <a:tc>
                   <a:txBody>
@@ -4576,7 +5062,11 @@
                       </a:r>
                     </a:p>
                   </a:txBody>
-                  <a:tcPr/>
+                  <a:tcPr>
+                    <a:solidFill>
+                      <a:srgbClr val="FFFFFF"/>
+                    </a:solidFill>
+                  </a:tcPr>
                 </a:tc>
                 <a:tc>
                   <a:txBody>
@@ -4593,41 +5083,71 @@
                       </a:r>
                     </a:p>
                   </a:txBody>
-                  <a:tcPr/>
-                </a:tc>
-                <a:tc>
-                  <a:txBody>
-                    <a:bodyPr tIns="18288" bIns="18288" lIns="45720" rIns="45720"/>
-                    <a:lstStyle/>
-                    <a:p>
-                      <a:pPr>
-                        <a:defRPr sz="700">
-                          <a:latin typeface="Arial Narrow"/>
-                        </a:defRPr>
-                      </a:pPr>
-                      <a:r>
-                        <a:t>34.25117351, -6.55618354</a:t>
-                      </a:r>
-                    </a:p>
-                  </a:txBody>
-                  <a:tcPr/>
-                </a:tc>
-                <a:tc>
-                  <a:txBody>
-                    <a:bodyPr tIns="18288" bIns="18288" lIns="45720" rIns="45720"/>
-                    <a:lstStyle/>
-                    <a:p>
-                      <a:pPr>
-                        <a:defRPr sz="700">
-                          <a:latin typeface="Arial Narrow"/>
-                        </a:defRPr>
-                      </a:pPr>
-                      <a:r>
-                        <a:t>34.25101400, -6.55682100</a:t>
-                      </a:r>
-                    </a:p>
-                  </a:txBody>
-                  <a:tcPr/>
+                  <a:tcPr>
+                    <a:solidFill>
+                      <a:srgbClr val="FFFFFF"/>
+                    </a:solidFill>
+                  </a:tcPr>
+                </a:tc>
+                <a:tc>
+                  <a:txBody>
+                    <a:bodyPr tIns="18288" bIns="18288" lIns="45720" rIns="45720"/>
+                    <a:lstStyle/>
+                    <a:p>
+                      <a:pPr>
+                        <a:defRPr sz="700">
+                          <a:latin typeface="Arial Narrow"/>
+                        </a:defRPr>
+                      </a:pPr>
+                    </a:p>
+                  </a:txBody>
+                  <a:tcPr>
+                    <a:solidFill>
+                      <a:srgbClr val="FFFFFF"/>
+                    </a:solidFill>
+                  </a:tcPr>
+                </a:tc>
+                <a:tc>
+                  <a:txBody>
+                    <a:bodyPr tIns="18288" bIns="18288" lIns="45720" rIns="45720"/>
+                    <a:lstStyle/>
+                    <a:p>
+                      <a:pPr>
+                        <a:defRPr sz="700">
+                          <a:latin typeface="Arial Narrow"/>
+                        </a:defRPr>
+                      </a:pPr>
+                      <a:r>
+                        <a:t>34.25117, -6.55618</a:t>
+                      </a:r>
+                    </a:p>
+                  </a:txBody>
+                  <a:tcPr>
+                    <a:solidFill>
+                      <a:srgbClr val="FFFFFF"/>
+                    </a:solidFill>
+                  </a:tcPr>
+                </a:tc>
+                <a:tc>
+                  <a:txBody>
+                    <a:bodyPr tIns="18288" bIns="18288" lIns="45720" rIns="45720"/>
+                    <a:lstStyle/>
+                    <a:p>
+                      <a:pPr>
+                        <a:defRPr sz="700">
+                          <a:latin typeface="Arial Narrow"/>
+                        </a:defRPr>
+                      </a:pPr>
+                      <a:r>
+                        <a:t>34.25101, -6.55682</a:t>
+                      </a:r>
+                    </a:p>
+                  </a:txBody>
+                  <a:tcPr>
+                    <a:solidFill>
+                      <a:srgbClr val="FFFFFF"/>
+                    </a:solidFill>
+                  </a:tcPr>
                 </a:tc>
               </a:tr>
               <a:tr h="18000">
@@ -4648,7 +5168,7 @@
                   </a:txBody>
                   <a:tcPr>
                     <a:solidFill>
-                      <a:srgbClr val="F2F2F2"/>
+                      <a:srgbClr val="FFD4B9"/>
                     </a:solidFill>
                   </a:tcPr>
                 </a:tc>
@@ -4669,7 +5189,7 @@
                   </a:txBody>
                   <a:tcPr>
                     <a:solidFill>
-                      <a:srgbClr val="F2F2F2"/>
+                      <a:srgbClr val="FFD4B9"/>
                     </a:solidFill>
                   </a:tcPr>
                 </a:tc>
@@ -4690,7 +5210,25 @@
                   </a:txBody>
                   <a:tcPr>
                     <a:solidFill>
-                      <a:srgbClr val="F2F2F2"/>
+                      <a:srgbClr val="FFD4B9"/>
+                    </a:solidFill>
+                  </a:tcPr>
+                </a:tc>
+                <a:tc>
+                  <a:txBody>
+                    <a:bodyPr tIns="18288" bIns="18288" lIns="45720" rIns="45720"/>
+                    <a:lstStyle/>
+                    <a:p>
+                      <a:pPr>
+                        <a:defRPr sz="700">
+                          <a:latin typeface="Arial Narrow"/>
+                        </a:defRPr>
+                      </a:pPr>
+                    </a:p>
+                  </a:txBody>
+                  <a:tcPr>
+                    <a:solidFill>
+                      <a:srgbClr val="FFD4B9"/>
                     </a:solidFill>
                   </a:tcPr>
                 </a:tc>
@@ -4711,7 +5249,7 @@
                   </a:txBody>
                   <a:tcPr>
                     <a:solidFill>
-                      <a:srgbClr val="F2F2F2"/>
+                      <a:srgbClr val="FFD4B9"/>
                     </a:solidFill>
                   </a:tcPr>
                 </a:tc>
@@ -4732,49 +5270,67 @@
                   </a:txBody>
                   <a:tcPr>
                     <a:solidFill>
-                      <a:srgbClr val="F2F2F2"/>
-                    </a:solidFill>
-                  </a:tcPr>
-                </a:tc>
-                <a:tc>
-                  <a:txBody>
-                    <a:bodyPr tIns="18288" bIns="18288" lIns="45720" rIns="45720"/>
-                    <a:lstStyle/>
-                    <a:p>
-                      <a:pPr>
-                        <a:defRPr sz="700">
-                          <a:latin typeface="Arial Narrow"/>
-                        </a:defRPr>
-                      </a:pPr>
-                      <a:r>
-                        <a:t>34.23286800, -6.61573200</a:t>
-                      </a:r>
-                    </a:p>
-                  </a:txBody>
-                  <a:tcPr>
-                    <a:solidFill>
-                      <a:srgbClr val="F2F2F2"/>
-                    </a:solidFill>
-                  </a:tcPr>
-                </a:tc>
-                <a:tc>
-                  <a:txBody>
-                    <a:bodyPr tIns="18288" bIns="18288" lIns="45720" rIns="45720"/>
-                    <a:lstStyle/>
-                    <a:p>
-                      <a:pPr>
-                        <a:defRPr sz="700">
-                          <a:latin typeface="Arial Narrow"/>
-                        </a:defRPr>
-                      </a:pPr>
-                      <a:r>
-                        <a:t>34.23424651, -6.61654371</a:t>
-                      </a:r>
-                    </a:p>
-                  </a:txBody>
-                  <a:tcPr>
-                    <a:solidFill>
-                      <a:srgbClr val="F2F2F2"/>
+                      <a:srgbClr val="FFD4B9"/>
+                    </a:solidFill>
+                  </a:tcPr>
+                </a:tc>
+                <a:tc>
+                  <a:txBody>
+                    <a:bodyPr tIns="18288" bIns="18288" lIns="45720" rIns="45720"/>
+                    <a:lstStyle/>
+                    <a:p>
+                      <a:pPr>
+                        <a:defRPr sz="700">
+                          <a:latin typeface="Arial Narrow"/>
+                        </a:defRPr>
+                      </a:pPr>
+                    </a:p>
+                  </a:txBody>
+                  <a:tcPr>
+                    <a:solidFill>
+                      <a:srgbClr val="FFD4B9"/>
+                    </a:solidFill>
+                  </a:tcPr>
+                </a:tc>
+                <a:tc>
+                  <a:txBody>
+                    <a:bodyPr tIns="18288" bIns="18288" lIns="45720" rIns="45720"/>
+                    <a:lstStyle/>
+                    <a:p>
+                      <a:pPr>
+                        <a:defRPr sz="700">
+                          <a:latin typeface="Arial Narrow"/>
+                        </a:defRPr>
+                      </a:pPr>
+                      <a:r>
+                        <a:t>34.23287, -6.61573</a:t>
+                      </a:r>
+                    </a:p>
+                  </a:txBody>
+                  <a:tcPr>
+                    <a:solidFill>
+                      <a:srgbClr val="FFD4B9"/>
+                    </a:solidFill>
+                  </a:tcPr>
+                </a:tc>
+                <a:tc>
+                  <a:txBody>
+                    <a:bodyPr tIns="18288" bIns="18288" lIns="45720" rIns="45720"/>
+                    <a:lstStyle/>
+                    <a:p>
+                      <a:pPr>
+                        <a:defRPr sz="700">
+                          <a:latin typeface="Arial Narrow"/>
+                        </a:defRPr>
+                      </a:pPr>
+                      <a:r>
+                        <a:t>34.23425, -6.61654</a:t>
+                      </a:r>
+                    </a:p>
+                  </a:txBody>
+                  <a:tcPr>
+                    <a:solidFill>
+                      <a:srgbClr val="FFD4B9"/>
                     </a:solidFill>
                   </a:tcPr>
                 </a:tc>
@@ -4795,7 +5351,11 @@
                       </a:r>
                     </a:p>
                   </a:txBody>
-                  <a:tcPr/>
+                  <a:tcPr>
+                    <a:solidFill>
+                      <a:srgbClr val="FFFFFF"/>
+                    </a:solidFill>
+                  </a:tcPr>
                 </a:tc>
                 <a:tc>
                   <a:txBody>
@@ -4812,7 +5372,11 @@
                       </a:r>
                     </a:p>
                   </a:txBody>
-                  <a:tcPr/>
+                  <a:tcPr>
+                    <a:solidFill>
+                      <a:srgbClr val="FFFFFF"/>
+                    </a:solidFill>
+                  </a:tcPr>
                 </a:tc>
                 <a:tc>
                   <a:txBody>
@@ -4829,7 +5393,29 @@
                       </a:r>
                     </a:p>
                   </a:txBody>
-                  <a:tcPr/>
+                  <a:tcPr>
+                    <a:solidFill>
+                      <a:srgbClr val="FFFFFF"/>
+                    </a:solidFill>
+                  </a:tcPr>
+                </a:tc>
+                <a:tc>
+                  <a:txBody>
+                    <a:bodyPr tIns="18288" bIns="18288" lIns="45720" rIns="45720"/>
+                    <a:lstStyle/>
+                    <a:p>
+                      <a:pPr>
+                        <a:defRPr sz="700">
+                          <a:latin typeface="Arial Narrow"/>
+                        </a:defRPr>
+                      </a:pPr>
+                    </a:p>
+                  </a:txBody>
+                  <a:tcPr>
+                    <a:solidFill>
+                      <a:srgbClr val="FFFFFF"/>
+                    </a:solidFill>
+                  </a:tcPr>
                 </a:tc>
                 <a:tc>
                   <a:txBody>
@@ -4846,7 +5432,11 @@
                       </a:r>
                     </a:p>
                   </a:txBody>
-                  <a:tcPr/>
+                  <a:tcPr>
+                    <a:solidFill>
+                      <a:srgbClr val="FFFFFF"/>
+                    </a:solidFill>
+                  </a:tcPr>
                 </a:tc>
                 <a:tc>
                   <a:txBody>
@@ -4863,41 +5453,71 @@
                       </a:r>
                     </a:p>
                   </a:txBody>
-                  <a:tcPr/>
-                </a:tc>
-                <a:tc>
-                  <a:txBody>
-                    <a:bodyPr tIns="18288" bIns="18288" lIns="45720" rIns="45720"/>
-                    <a:lstStyle/>
-                    <a:p>
-                      <a:pPr>
-                        <a:defRPr sz="700">
-                          <a:latin typeface="Arial Narrow"/>
-                        </a:defRPr>
-                      </a:pPr>
-                      <a:r>
-                        <a:t>34.22956650, -6.53120207</a:t>
-                      </a:r>
-                    </a:p>
-                  </a:txBody>
-                  <a:tcPr/>
-                </a:tc>
-                <a:tc>
-                  <a:txBody>
-                    <a:bodyPr tIns="18288" bIns="18288" lIns="45720" rIns="45720"/>
-                    <a:lstStyle/>
-                    <a:p>
-                      <a:pPr>
-                        <a:defRPr sz="700">
-                          <a:latin typeface="Arial Narrow"/>
-                        </a:defRPr>
-                      </a:pPr>
-                      <a:r>
-                        <a:t>34.23914016, -6.54668213</a:t>
-                      </a:r>
-                    </a:p>
-                  </a:txBody>
-                  <a:tcPr/>
+                  <a:tcPr>
+                    <a:solidFill>
+                      <a:srgbClr val="FFFFFF"/>
+                    </a:solidFill>
+                  </a:tcPr>
+                </a:tc>
+                <a:tc>
+                  <a:txBody>
+                    <a:bodyPr tIns="18288" bIns="18288" lIns="45720" rIns="45720"/>
+                    <a:lstStyle/>
+                    <a:p>
+                      <a:pPr>
+                        <a:defRPr sz="700">
+                          <a:latin typeface="Arial Narrow"/>
+                        </a:defRPr>
+                      </a:pPr>
+                    </a:p>
+                  </a:txBody>
+                  <a:tcPr>
+                    <a:solidFill>
+                      <a:srgbClr val="FFFFFF"/>
+                    </a:solidFill>
+                  </a:tcPr>
+                </a:tc>
+                <a:tc>
+                  <a:txBody>
+                    <a:bodyPr tIns="18288" bIns="18288" lIns="45720" rIns="45720"/>
+                    <a:lstStyle/>
+                    <a:p>
+                      <a:pPr>
+                        <a:defRPr sz="700">
+                          <a:latin typeface="Arial Narrow"/>
+                        </a:defRPr>
+                      </a:pPr>
+                      <a:r>
+                        <a:t>34.22957, -6.53120</a:t>
+                      </a:r>
+                    </a:p>
+                  </a:txBody>
+                  <a:tcPr>
+                    <a:solidFill>
+                      <a:srgbClr val="FFFFFF"/>
+                    </a:solidFill>
+                  </a:tcPr>
+                </a:tc>
+                <a:tc>
+                  <a:txBody>
+                    <a:bodyPr tIns="18288" bIns="18288" lIns="45720" rIns="45720"/>
+                    <a:lstStyle/>
+                    <a:p>
+                      <a:pPr>
+                        <a:defRPr sz="700">
+                          <a:latin typeface="Arial Narrow"/>
+                        </a:defRPr>
+                      </a:pPr>
+                      <a:r>
+                        <a:t>34.23914, -6.54668</a:t>
+                      </a:r>
+                    </a:p>
+                  </a:txBody>
+                  <a:tcPr>
+                    <a:solidFill>
+                      <a:srgbClr val="FFFFFF"/>
+                    </a:solidFill>
+                  </a:tcPr>
                 </a:tc>
               </a:tr>
               <a:tr h="18000">
@@ -4918,7 +5538,7 @@
                   </a:txBody>
                   <a:tcPr>
                     <a:solidFill>
-                      <a:srgbClr val="F2F2F2"/>
+                      <a:srgbClr val="FFD4B9"/>
                     </a:solidFill>
                   </a:tcPr>
                 </a:tc>
@@ -4939,7 +5559,7 @@
                   </a:txBody>
                   <a:tcPr>
                     <a:solidFill>
-                      <a:srgbClr val="F2F2F2"/>
+                      <a:srgbClr val="FFD4B9"/>
                     </a:solidFill>
                   </a:tcPr>
                 </a:tc>
@@ -4960,7 +5580,25 @@
                   </a:txBody>
                   <a:tcPr>
                     <a:solidFill>
-                      <a:srgbClr val="F2F2F2"/>
+                      <a:srgbClr val="FFD4B9"/>
+                    </a:solidFill>
+                  </a:tcPr>
+                </a:tc>
+                <a:tc>
+                  <a:txBody>
+                    <a:bodyPr tIns="18288" bIns="18288" lIns="45720" rIns="45720"/>
+                    <a:lstStyle/>
+                    <a:p>
+                      <a:pPr>
+                        <a:defRPr sz="700">
+                          <a:latin typeface="Arial Narrow"/>
+                        </a:defRPr>
+                      </a:pPr>
+                    </a:p>
+                  </a:txBody>
+                  <a:tcPr>
+                    <a:solidFill>
+                      <a:srgbClr val="FFD4B9"/>
                     </a:solidFill>
                   </a:tcPr>
                 </a:tc>
@@ -4981,7 +5619,7 @@
                   </a:txBody>
                   <a:tcPr>
                     <a:solidFill>
-                      <a:srgbClr val="F2F2F2"/>
+                      <a:srgbClr val="FFD4B9"/>
                     </a:solidFill>
                   </a:tcPr>
                 </a:tc>
@@ -5002,49 +5640,67 @@
                   </a:txBody>
                   <a:tcPr>
                     <a:solidFill>
-                      <a:srgbClr val="F2F2F2"/>
-                    </a:solidFill>
-                  </a:tcPr>
-                </a:tc>
-                <a:tc>
-                  <a:txBody>
-                    <a:bodyPr tIns="18288" bIns="18288" lIns="45720" rIns="45720"/>
-                    <a:lstStyle/>
-                    <a:p>
-                      <a:pPr>
-                        <a:defRPr sz="700">
-                          <a:latin typeface="Arial Narrow"/>
-                        </a:defRPr>
-                      </a:pPr>
-                      <a:r>
-                        <a:t>34.22355450, -6.53557198</a:t>
-                      </a:r>
-                    </a:p>
-                  </a:txBody>
-                  <a:tcPr>
-                    <a:solidFill>
-                      <a:srgbClr val="F2F2F2"/>
-                    </a:solidFill>
-                  </a:tcPr>
-                </a:tc>
-                <a:tc>
-                  <a:txBody>
-                    <a:bodyPr tIns="18288" bIns="18288" lIns="45720" rIns="45720"/>
-                    <a:lstStyle/>
-                    <a:p>
-                      <a:pPr>
-                        <a:defRPr sz="700">
-                          <a:latin typeface="Arial Narrow"/>
-                        </a:defRPr>
-                      </a:pPr>
-                      <a:r>
-                        <a:t>34.22956650, -6.53120207</a:t>
-                      </a:r>
-                    </a:p>
-                  </a:txBody>
-                  <a:tcPr>
-                    <a:solidFill>
-                      <a:srgbClr val="F2F2F2"/>
+                      <a:srgbClr val="FFD4B9"/>
+                    </a:solidFill>
+                  </a:tcPr>
+                </a:tc>
+                <a:tc>
+                  <a:txBody>
+                    <a:bodyPr tIns="18288" bIns="18288" lIns="45720" rIns="45720"/>
+                    <a:lstStyle/>
+                    <a:p>
+                      <a:pPr>
+                        <a:defRPr sz="700">
+                          <a:latin typeface="Arial Narrow"/>
+                        </a:defRPr>
+                      </a:pPr>
+                    </a:p>
+                  </a:txBody>
+                  <a:tcPr>
+                    <a:solidFill>
+                      <a:srgbClr val="FFD4B9"/>
+                    </a:solidFill>
+                  </a:tcPr>
+                </a:tc>
+                <a:tc>
+                  <a:txBody>
+                    <a:bodyPr tIns="18288" bIns="18288" lIns="45720" rIns="45720"/>
+                    <a:lstStyle/>
+                    <a:p>
+                      <a:pPr>
+                        <a:defRPr sz="700">
+                          <a:latin typeface="Arial Narrow"/>
+                        </a:defRPr>
+                      </a:pPr>
+                      <a:r>
+                        <a:t>34.22355, -6.53557</a:t>
+                      </a:r>
+                    </a:p>
+                  </a:txBody>
+                  <a:tcPr>
+                    <a:solidFill>
+                      <a:srgbClr val="FFD4B9"/>
+                    </a:solidFill>
+                  </a:tcPr>
+                </a:tc>
+                <a:tc>
+                  <a:txBody>
+                    <a:bodyPr tIns="18288" bIns="18288" lIns="45720" rIns="45720"/>
+                    <a:lstStyle/>
+                    <a:p>
+                      <a:pPr>
+                        <a:defRPr sz="700">
+                          <a:latin typeface="Arial Narrow"/>
+                        </a:defRPr>
+                      </a:pPr>
+                      <a:r>
+                        <a:t>34.22957, -6.53120</a:t>
+                      </a:r>
+                    </a:p>
+                  </a:txBody>
+                  <a:tcPr>
+                    <a:solidFill>
+                      <a:srgbClr val="FFD4B9"/>
                     </a:solidFill>
                   </a:tcPr>
                 </a:tc>
@@ -5065,7 +5721,11 @@
                       </a:r>
                     </a:p>
                   </a:txBody>
-                  <a:tcPr/>
+                  <a:tcPr>
+                    <a:solidFill>
+                      <a:srgbClr val="FFFFFF"/>
+                    </a:solidFill>
+                  </a:tcPr>
                 </a:tc>
                 <a:tc>
                   <a:txBody>
@@ -5082,7 +5742,11 @@
                       </a:r>
                     </a:p>
                   </a:txBody>
-                  <a:tcPr/>
+                  <a:tcPr>
+                    <a:solidFill>
+                      <a:srgbClr val="FFFFFF"/>
+                    </a:solidFill>
+                  </a:tcPr>
                 </a:tc>
                 <a:tc>
                   <a:txBody>
@@ -5099,7 +5763,29 @@
                       </a:r>
                     </a:p>
                   </a:txBody>
-                  <a:tcPr/>
+                  <a:tcPr>
+                    <a:solidFill>
+                      <a:srgbClr val="FFFFFF"/>
+                    </a:solidFill>
+                  </a:tcPr>
+                </a:tc>
+                <a:tc>
+                  <a:txBody>
+                    <a:bodyPr tIns="18288" bIns="18288" lIns="45720" rIns="45720"/>
+                    <a:lstStyle/>
+                    <a:p>
+                      <a:pPr>
+                        <a:defRPr sz="700">
+                          <a:latin typeface="Arial Narrow"/>
+                        </a:defRPr>
+                      </a:pPr>
+                    </a:p>
+                  </a:txBody>
+                  <a:tcPr>
+                    <a:solidFill>
+                      <a:srgbClr val="FFFFFF"/>
+                    </a:solidFill>
+                  </a:tcPr>
                 </a:tc>
                 <a:tc>
                   <a:txBody>
@@ -5116,7 +5802,11 @@
                       </a:r>
                     </a:p>
                   </a:txBody>
-                  <a:tcPr/>
+                  <a:tcPr>
+                    <a:solidFill>
+                      <a:srgbClr val="FFFFFF"/>
+                    </a:solidFill>
+                  </a:tcPr>
                 </a:tc>
                 <a:tc>
                   <a:txBody>
@@ -5133,41 +5823,71 @@
                       </a:r>
                     </a:p>
                   </a:txBody>
-                  <a:tcPr/>
-                </a:tc>
-                <a:tc>
-                  <a:txBody>
-                    <a:bodyPr tIns="18288" bIns="18288" lIns="45720" rIns="45720"/>
-                    <a:lstStyle/>
-                    <a:p>
-                      <a:pPr>
-                        <a:defRPr sz="700">
-                          <a:latin typeface="Arial Narrow"/>
-                        </a:defRPr>
-                      </a:pPr>
-                      <a:r>
-                        <a:t>34.23029592, -6.58079417</a:t>
-                      </a:r>
-                    </a:p>
-                  </a:txBody>
-                  <a:tcPr/>
-                </a:tc>
-                <a:tc>
-                  <a:txBody>
-                    <a:bodyPr tIns="18288" bIns="18288" lIns="45720" rIns="45720"/>
-                    <a:lstStyle/>
-                    <a:p>
-                      <a:pPr>
-                        <a:defRPr sz="700">
-                          <a:latin typeface="Arial Narrow"/>
-                        </a:defRPr>
-                      </a:pPr>
-                      <a:r>
-                        <a:t>34.23614002, -6.57165421</a:t>
-                      </a:r>
-                    </a:p>
-                  </a:txBody>
-                  <a:tcPr/>
+                  <a:tcPr>
+                    <a:solidFill>
+                      <a:srgbClr val="FFFFFF"/>
+                    </a:solidFill>
+                  </a:tcPr>
+                </a:tc>
+                <a:tc>
+                  <a:txBody>
+                    <a:bodyPr tIns="18288" bIns="18288" lIns="45720" rIns="45720"/>
+                    <a:lstStyle/>
+                    <a:p>
+                      <a:pPr>
+                        <a:defRPr sz="700">
+                          <a:latin typeface="Arial Narrow"/>
+                        </a:defRPr>
+                      </a:pPr>
+                    </a:p>
+                  </a:txBody>
+                  <a:tcPr>
+                    <a:solidFill>
+                      <a:srgbClr val="FFFFFF"/>
+                    </a:solidFill>
+                  </a:tcPr>
+                </a:tc>
+                <a:tc>
+                  <a:txBody>
+                    <a:bodyPr tIns="18288" bIns="18288" lIns="45720" rIns="45720"/>
+                    <a:lstStyle/>
+                    <a:p>
+                      <a:pPr>
+                        <a:defRPr sz="700">
+                          <a:latin typeface="Arial Narrow"/>
+                        </a:defRPr>
+                      </a:pPr>
+                      <a:r>
+                        <a:t>34.23030, -6.58079</a:t>
+                      </a:r>
+                    </a:p>
+                  </a:txBody>
+                  <a:tcPr>
+                    <a:solidFill>
+                      <a:srgbClr val="FFFFFF"/>
+                    </a:solidFill>
+                  </a:tcPr>
+                </a:tc>
+                <a:tc>
+                  <a:txBody>
+                    <a:bodyPr tIns="18288" bIns="18288" lIns="45720" rIns="45720"/>
+                    <a:lstStyle/>
+                    <a:p>
+                      <a:pPr>
+                        <a:defRPr sz="700">
+                          <a:latin typeface="Arial Narrow"/>
+                        </a:defRPr>
+                      </a:pPr>
+                      <a:r>
+                        <a:t>34.23614, -6.57165</a:t>
+                      </a:r>
+                    </a:p>
+                  </a:txBody>
+                  <a:tcPr>
+                    <a:solidFill>
+                      <a:srgbClr val="FFFFFF"/>
+                    </a:solidFill>
+                  </a:tcPr>
                 </a:tc>
               </a:tr>
               <a:tr h="18000">
@@ -5188,7 +5908,7 @@
                   </a:txBody>
                   <a:tcPr>
                     <a:solidFill>
-                      <a:srgbClr val="F2F2F2"/>
+                      <a:srgbClr val="FFD4B9"/>
                     </a:solidFill>
                   </a:tcPr>
                 </a:tc>
@@ -5209,7 +5929,7 @@
                   </a:txBody>
                   <a:tcPr>
                     <a:solidFill>
-                      <a:srgbClr val="F2F2F2"/>
+                      <a:srgbClr val="FFD4B9"/>
                     </a:solidFill>
                   </a:tcPr>
                 </a:tc>
@@ -5230,7 +5950,25 @@
                   </a:txBody>
                   <a:tcPr>
                     <a:solidFill>
-                      <a:srgbClr val="F2F2F2"/>
+                      <a:srgbClr val="FFD4B9"/>
+                    </a:solidFill>
+                  </a:tcPr>
+                </a:tc>
+                <a:tc>
+                  <a:txBody>
+                    <a:bodyPr tIns="18288" bIns="18288" lIns="45720" rIns="45720"/>
+                    <a:lstStyle/>
+                    <a:p>
+                      <a:pPr>
+                        <a:defRPr sz="700">
+                          <a:latin typeface="Arial Narrow"/>
+                        </a:defRPr>
+                      </a:pPr>
+                    </a:p>
+                  </a:txBody>
+                  <a:tcPr>
+                    <a:solidFill>
+                      <a:srgbClr val="FFD4B9"/>
                     </a:solidFill>
                   </a:tcPr>
                 </a:tc>
@@ -5251,7 +5989,7 @@
                   </a:txBody>
                   <a:tcPr>
                     <a:solidFill>
-                      <a:srgbClr val="F2F2F2"/>
+                      <a:srgbClr val="FFD4B9"/>
                     </a:solidFill>
                   </a:tcPr>
                 </a:tc>
@@ -5272,49 +6010,67 @@
                   </a:txBody>
                   <a:tcPr>
                     <a:solidFill>
-                      <a:srgbClr val="F2F2F2"/>
-                    </a:solidFill>
-                  </a:tcPr>
-                </a:tc>
-                <a:tc>
-                  <a:txBody>
-                    <a:bodyPr tIns="18288" bIns="18288" lIns="45720" rIns="45720"/>
-                    <a:lstStyle/>
-                    <a:p>
-                      <a:pPr>
-                        <a:defRPr sz="700">
-                          <a:latin typeface="Arial Narrow"/>
-                        </a:defRPr>
-                      </a:pPr>
-                      <a:r>
-                        <a:t>34.25123900, -6.57213600</a:t>
-                      </a:r>
-                    </a:p>
-                  </a:txBody>
-                  <a:tcPr>
-                    <a:solidFill>
-                      <a:srgbClr val="F2F2F2"/>
-                    </a:solidFill>
-                  </a:tcPr>
-                </a:tc>
-                <a:tc>
-                  <a:txBody>
-                    <a:bodyPr tIns="18288" bIns="18288" lIns="45720" rIns="45720"/>
-                    <a:lstStyle/>
-                    <a:p>
-                      <a:pPr>
-                        <a:defRPr sz="700">
-                          <a:latin typeface="Arial Narrow"/>
-                        </a:defRPr>
-                      </a:pPr>
-                      <a:r>
-                        <a:t>34.25374700, -6.57989500</a:t>
-                      </a:r>
-                    </a:p>
-                  </a:txBody>
-                  <a:tcPr>
-                    <a:solidFill>
-                      <a:srgbClr val="F2F2F2"/>
+                      <a:srgbClr val="FFD4B9"/>
+                    </a:solidFill>
+                  </a:tcPr>
+                </a:tc>
+                <a:tc>
+                  <a:txBody>
+                    <a:bodyPr tIns="18288" bIns="18288" lIns="45720" rIns="45720"/>
+                    <a:lstStyle/>
+                    <a:p>
+                      <a:pPr>
+                        <a:defRPr sz="700">
+                          <a:latin typeface="Arial Narrow"/>
+                        </a:defRPr>
+                      </a:pPr>
+                    </a:p>
+                  </a:txBody>
+                  <a:tcPr>
+                    <a:solidFill>
+                      <a:srgbClr val="FFD4B9"/>
+                    </a:solidFill>
+                  </a:tcPr>
+                </a:tc>
+                <a:tc>
+                  <a:txBody>
+                    <a:bodyPr tIns="18288" bIns="18288" lIns="45720" rIns="45720"/>
+                    <a:lstStyle/>
+                    <a:p>
+                      <a:pPr>
+                        <a:defRPr sz="700">
+                          <a:latin typeface="Arial Narrow"/>
+                        </a:defRPr>
+                      </a:pPr>
+                      <a:r>
+                        <a:t>34.25124, -6.57214</a:t>
+                      </a:r>
+                    </a:p>
+                  </a:txBody>
+                  <a:tcPr>
+                    <a:solidFill>
+                      <a:srgbClr val="FFD4B9"/>
+                    </a:solidFill>
+                  </a:tcPr>
+                </a:tc>
+                <a:tc>
+                  <a:txBody>
+                    <a:bodyPr tIns="18288" bIns="18288" lIns="45720" rIns="45720"/>
+                    <a:lstStyle/>
+                    <a:p>
+                      <a:pPr>
+                        <a:defRPr sz="700">
+                          <a:latin typeface="Arial Narrow"/>
+                        </a:defRPr>
+                      </a:pPr>
+                      <a:r>
+                        <a:t>34.25375, -6.57989</a:t>
+                      </a:r>
+                    </a:p>
+                  </a:txBody>
+                  <a:tcPr>
+                    <a:solidFill>
+                      <a:srgbClr val="FFD4B9"/>
                     </a:solidFill>
                   </a:tcPr>
                 </a:tc>
@@ -5335,7 +6091,11 @@
                       </a:r>
                     </a:p>
                   </a:txBody>
-                  <a:tcPr/>
+                  <a:tcPr>
+                    <a:solidFill>
+                      <a:srgbClr val="FFFFFF"/>
+                    </a:solidFill>
+                  </a:tcPr>
                 </a:tc>
                 <a:tc>
                   <a:txBody>
@@ -5352,7 +6112,11 @@
                       </a:r>
                     </a:p>
                   </a:txBody>
-                  <a:tcPr/>
+                  <a:tcPr>
+                    <a:solidFill>
+                      <a:srgbClr val="FFFFFF"/>
+                    </a:solidFill>
+                  </a:tcPr>
                 </a:tc>
                 <a:tc>
                   <a:txBody>
@@ -5369,7 +6133,29 @@
                       </a:r>
                     </a:p>
                   </a:txBody>
-                  <a:tcPr/>
+                  <a:tcPr>
+                    <a:solidFill>
+                      <a:srgbClr val="FFFFFF"/>
+                    </a:solidFill>
+                  </a:tcPr>
+                </a:tc>
+                <a:tc>
+                  <a:txBody>
+                    <a:bodyPr tIns="18288" bIns="18288" lIns="45720" rIns="45720"/>
+                    <a:lstStyle/>
+                    <a:p>
+                      <a:pPr>
+                        <a:defRPr sz="700">
+                          <a:latin typeface="Arial Narrow"/>
+                        </a:defRPr>
+                      </a:pPr>
+                    </a:p>
+                  </a:txBody>
+                  <a:tcPr>
+                    <a:solidFill>
+                      <a:srgbClr val="FFFFFF"/>
+                    </a:solidFill>
+                  </a:tcPr>
                 </a:tc>
                 <a:tc>
                   <a:txBody>
@@ -5386,7 +6172,11 @@
                       </a:r>
                     </a:p>
                   </a:txBody>
-                  <a:tcPr/>
+                  <a:tcPr>
+                    <a:solidFill>
+                      <a:srgbClr val="FFFFFF"/>
+                    </a:solidFill>
+                  </a:tcPr>
                 </a:tc>
                 <a:tc>
                   <a:txBody>
@@ -5403,41 +6193,71 @@
                       </a:r>
                     </a:p>
                   </a:txBody>
-                  <a:tcPr/>
-                </a:tc>
-                <a:tc>
-                  <a:txBody>
-                    <a:bodyPr tIns="18288" bIns="18288" lIns="45720" rIns="45720"/>
-                    <a:lstStyle/>
-                    <a:p>
-                      <a:pPr>
-                        <a:defRPr sz="700">
-                          <a:latin typeface="Arial Narrow"/>
-                        </a:defRPr>
-                      </a:pPr>
-                      <a:r>
-                        <a:t>34.22881593, -6.53457249</a:t>
-                      </a:r>
-                    </a:p>
-                  </a:txBody>
-                  <a:tcPr/>
-                </a:tc>
-                <a:tc>
-                  <a:txBody>
-                    <a:bodyPr tIns="18288" bIns="18288" lIns="45720" rIns="45720"/>
-                    <a:lstStyle/>
-                    <a:p>
-                      <a:pPr>
-                        <a:defRPr sz="700">
-                          <a:latin typeface="Arial Narrow"/>
-                        </a:defRPr>
-                      </a:pPr>
-                      <a:r>
-                        <a:t>34.23109200, -6.53366300</a:t>
-                      </a:r>
-                    </a:p>
-                  </a:txBody>
-                  <a:tcPr/>
+                  <a:tcPr>
+                    <a:solidFill>
+                      <a:srgbClr val="FFFFFF"/>
+                    </a:solidFill>
+                  </a:tcPr>
+                </a:tc>
+                <a:tc>
+                  <a:txBody>
+                    <a:bodyPr tIns="18288" bIns="18288" lIns="45720" rIns="45720"/>
+                    <a:lstStyle/>
+                    <a:p>
+                      <a:pPr>
+                        <a:defRPr sz="700">
+                          <a:latin typeface="Arial Narrow"/>
+                        </a:defRPr>
+                      </a:pPr>
+                    </a:p>
+                  </a:txBody>
+                  <a:tcPr>
+                    <a:solidFill>
+                      <a:srgbClr val="FFFFFF"/>
+                    </a:solidFill>
+                  </a:tcPr>
+                </a:tc>
+                <a:tc>
+                  <a:txBody>
+                    <a:bodyPr tIns="18288" bIns="18288" lIns="45720" rIns="45720"/>
+                    <a:lstStyle/>
+                    <a:p>
+                      <a:pPr>
+                        <a:defRPr sz="700">
+                          <a:latin typeface="Arial Narrow"/>
+                        </a:defRPr>
+                      </a:pPr>
+                      <a:r>
+                        <a:t>34.22882, -6.53457</a:t>
+                      </a:r>
+                    </a:p>
+                  </a:txBody>
+                  <a:tcPr>
+                    <a:solidFill>
+                      <a:srgbClr val="FFFFFF"/>
+                    </a:solidFill>
+                  </a:tcPr>
+                </a:tc>
+                <a:tc>
+                  <a:txBody>
+                    <a:bodyPr tIns="18288" bIns="18288" lIns="45720" rIns="45720"/>
+                    <a:lstStyle/>
+                    <a:p>
+                      <a:pPr>
+                        <a:defRPr sz="700">
+                          <a:latin typeface="Arial Narrow"/>
+                        </a:defRPr>
+                      </a:pPr>
+                      <a:r>
+                        <a:t>34.23109, -6.53366</a:t>
+                      </a:r>
+                    </a:p>
+                  </a:txBody>
+                  <a:tcPr>
+                    <a:solidFill>
+                      <a:srgbClr val="FFFFFF"/>
+                    </a:solidFill>
+                  </a:tcPr>
                 </a:tc>
               </a:tr>
               <a:tr h="18000">
@@ -5458,7 +6278,7 @@
                   </a:txBody>
                   <a:tcPr>
                     <a:solidFill>
-                      <a:srgbClr val="F2F2F2"/>
+                      <a:srgbClr val="FFD4B9"/>
                     </a:solidFill>
                   </a:tcPr>
                 </a:tc>
@@ -5479,7 +6299,7 @@
                   </a:txBody>
                   <a:tcPr>
                     <a:solidFill>
-                      <a:srgbClr val="F2F2F2"/>
+                      <a:srgbClr val="FFD4B9"/>
                     </a:solidFill>
                   </a:tcPr>
                 </a:tc>
@@ -5500,7 +6320,25 @@
                   </a:txBody>
                   <a:tcPr>
                     <a:solidFill>
-                      <a:srgbClr val="F2F2F2"/>
+                      <a:srgbClr val="FFD4B9"/>
+                    </a:solidFill>
+                  </a:tcPr>
+                </a:tc>
+                <a:tc>
+                  <a:txBody>
+                    <a:bodyPr tIns="18288" bIns="18288" lIns="45720" rIns="45720"/>
+                    <a:lstStyle/>
+                    <a:p>
+                      <a:pPr>
+                        <a:defRPr sz="700">
+                          <a:latin typeface="Arial Narrow"/>
+                        </a:defRPr>
+                      </a:pPr>
+                    </a:p>
+                  </a:txBody>
+                  <a:tcPr>
+                    <a:solidFill>
+                      <a:srgbClr val="FFD4B9"/>
                     </a:solidFill>
                   </a:tcPr>
                 </a:tc>
@@ -5521,7 +6359,7 @@
                   </a:txBody>
                   <a:tcPr>
                     <a:solidFill>
-                      <a:srgbClr val="F2F2F2"/>
+                      <a:srgbClr val="FFD4B9"/>
                     </a:solidFill>
                   </a:tcPr>
                 </a:tc>
@@ -5542,49 +6380,67 @@
                   </a:txBody>
                   <a:tcPr>
                     <a:solidFill>
-                      <a:srgbClr val="F2F2F2"/>
-                    </a:solidFill>
-                  </a:tcPr>
-                </a:tc>
-                <a:tc>
-                  <a:txBody>
-                    <a:bodyPr tIns="18288" bIns="18288" lIns="45720" rIns="45720"/>
-                    <a:lstStyle/>
-                    <a:p>
-                      <a:pPr>
-                        <a:defRPr sz="700">
-                          <a:latin typeface="Arial Narrow"/>
-                        </a:defRPr>
-                      </a:pPr>
-                      <a:r>
-                        <a:t>34.26884038, -6.59386139</a:t>
-                      </a:r>
-                    </a:p>
-                  </a:txBody>
-                  <a:tcPr>
-                    <a:solidFill>
-                      <a:srgbClr val="F2F2F2"/>
-                    </a:solidFill>
-                  </a:tcPr>
-                </a:tc>
-                <a:tc>
-                  <a:txBody>
-                    <a:bodyPr tIns="18288" bIns="18288" lIns="45720" rIns="45720"/>
-                    <a:lstStyle/>
-                    <a:p>
-                      <a:pPr>
-                        <a:defRPr sz="700">
-                          <a:latin typeface="Arial Narrow"/>
-                        </a:defRPr>
-                      </a:pPr>
-                      <a:r>
-                        <a:t>34.27361100, -6.59147200</a:t>
-                      </a:r>
-                    </a:p>
-                  </a:txBody>
-                  <a:tcPr>
-                    <a:solidFill>
-                      <a:srgbClr val="F2F2F2"/>
+                      <a:srgbClr val="FFD4B9"/>
+                    </a:solidFill>
+                  </a:tcPr>
+                </a:tc>
+                <a:tc>
+                  <a:txBody>
+                    <a:bodyPr tIns="18288" bIns="18288" lIns="45720" rIns="45720"/>
+                    <a:lstStyle/>
+                    <a:p>
+                      <a:pPr>
+                        <a:defRPr sz="700">
+                          <a:latin typeface="Arial Narrow"/>
+                        </a:defRPr>
+                      </a:pPr>
+                    </a:p>
+                  </a:txBody>
+                  <a:tcPr>
+                    <a:solidFill>
+                      <a:srgbClr val="FFD4B9"/>
+                    </a:solidFill>
+                  </a:tcPr>
+                </a:tc>
+                <a:tc>
+                  <a:txBody>
+                    <a:bodyPr tIns="18288" bIns="18288" lIns="45720" rIns="45720"/>
+                    <a:lstStyle/>
+                    <a:p>
+                      <a:pPr>
+                        <a:defRPr sz="700">
+                          <a:latin typeface="Arial Narrow"/>
+                        </a:defRPr>
+                      </a:pPr>
+                      <a:r>
+                        <a:t>34.26884, -6.59386</a:t>
+                      </a:r>
+                    </a:p>
+                  </a:txBody>
+                  <a:tcPr>
+                    <a:solidFill>
+                      <a:srgbClr val="FFD4B9"/>
+                    </a:solidFill>
+                  </a:tcPr>
+                </a:tc>
+                <a:tc>
+                  <a:txBody>
+                    <a:bodyPr tIns="18288" bIns="18288" lIns="45720" rIns="45720"/>
+                    <a:lstStyle/>
+                    <a:p>
+                      <a:pPr>
+                        <a:defRPr sz="700">
+                          <a:latin typeface="Arial Narrow"/>
+                        </a:defRPr>
+                      </a:pPr>
+                      <a:r>
+                        <a:t>34.27361, -6.59147</a:t>
+                      </a:r>
+                    </a:p>
+                  </a:txBody>
+                  <a:tcPr>
+                    <a:solidFill>
+                      <a:srgbClr val="FFD4B9"/>
                     </a:solidFill>
                   </a:tcPr>
                 </a:tc>

--- a/media/generated_ppts/DR IAM_RABAT AVANZIT.pptx
+++ b/media/generated_ppts/DR IAM_RABAT AVANZIT.pptx
@@ -3232,9 +3232,45 @@
           </a:prstGeom>
         </p:spPr>
       </p:pic>
+      <p:sp>
+        <p:nvSpPr>
+          <p:cNvPr id="3" name="TextBox 2"/>
+          <p:cNvSpPr txBox="1"/>
+          <p:nvPr/>
+        </p:nvSpPr>
+        <p:spPr>
+          <a:xfrm>
+            <a:off x="1692000" y="2512800"/>
+            <a:ext cx="8640000" cy="432000"/>
+          </a:xfrm>
+          <a:prstGeom prst="rect">
+            <a:avLst/>
+          </a:prstGeom>
+          <a:noFill/>
+        </p:spPr>
+        <p:txBody>
+          <a:bodyPr wrap="none">
+            <a:spAutoFit/>
+          </a:bodyPr>
+          <a:lstStyle/>
+          <a:p>
+            <a:pPr>
+              <a:defRPr sz="900" b="0">
+                <a:solidFill>
+                  <a:srgbClr val="000000"/>
+                </a:solidFill>
+                <a:latin typeface="Arial Narrow"/>
+              </a:defRPr>
+            </a:pPr>
+            <a:r>
+              <a:t>01/12/1111         04/05/3233                                           "azertyuiopmlkjhgfdswxcvbnazertyuiopmlkjhgfdsq"</a:t>
+            </a:r>
+          </a:p>
+        </p:txBody>
+      </p:sp>
       <p:graphicFrame>
         <p:nvGraphicFramePr>
-          <p:cNvPr id="3" name="Table 2"/>
+          <p:cNvPr id="4" name="Table 3"/>
           <p:cNvGraphicFramePr>
             <a:graphicFrameLocks noGrp="1"/>
           </p:cNvGraphicFramePr>

--- a/media/generated_ppts/DR IAM_RABAT AVANZIT.pptx
+++ b/media/generated_ppts/DR IAM_RABAT AVANZIT.pptx
@@ -3232,45 +3232,9 @@
           </a:prstGeom>
         </p:spPr>
       </p:pic>
-      <p:sp>
-        <p:nvSpPr>
-          <p:cNvPr id="3" name="TextBox 2"/>
-          <p:cNvSpPr txBox="1"/>
-          <p:nvPr/>
-        </p:nvSpPr>
-        <p:spPr>
-          <a:xfrm>
-            <a:off x="1692000" y="2512800"/>
-            <a:ext cx="8640000" cy="432000"/>
-          </a:xfrm>
-          <a:prstGeom prst="rect">
-            <a:avLst/>
-          </a:prstGeom>
-          <a:noFill/>
-        </p:spPr>
-        <p:txBody>
-          <a:bodyPr wrap="none">
-            <a:spAutoFit/>
-          </a:bodyPr>
-          <a:lstStyle/>
-          <a:p>
-            <a:pPr>
-              <a:defRPr sz="900" b="0">
-                <a:solidFill>
-                  <a:srgbClr val="000000"/>
-                </a:solidFill>
-                <a:latin typeface="Arial Narrow"/>
-              </a:defRPr>
-            </a:pPr>
-            <a:r>
-              <a:t>01/12/1111         04/05/3233                                           "azertyuiopmlkjhgfdswxcvbnazertyuiopmlkjhgfdsq"</a:t>
-            </a:r>
-          </a:p>
-        </p:txBody>
-      </p:sp>
       <p:graphicFrame>
         <p:nvGraphicFramePr>
-          <p:cNvPr id="4" name="Table 3"/>
+          <p:cNvPr id="3" name="Table 2"/>
           <p:cNvGraphicFramePr>
             <a:graphicFrameLocks noGrp="1"/>
           </p:cNvGraphicFramePr>
